--- a/RNLI.pptx
+++ b/RNLI.pptx
@@ -116,7 +116,16 @@
       </a:defRPr>
     </a:lvl9pPr>
   </p:defaultTextStyle>
+  <p:extLst>
+    <p:ext uri="{EFAFB233-063F-42B5-8137-9DF3F51BA10A}">
+      <p15:sldGuideLst xmlns:p15="http://schemas.microsoft.com/office/powerpoint/2012/main"/>
+    </p:ext>
+  </p:extLst>
 </p:presentation>
+</file>
+
+<file path=ppt/revisionInfo.xml><?xml version="1.0" encoding="utf-8"?>
+<p1510:revInfo xmlns:a="http://schemas.openxmlformats.org/drawingml/2006/main" xmlns:r="http://schemas.openxmlformats.org/officeDocument/2006/relationships" xmlns:p1510="http://schemas.microsoft.com/office/powerpoint/2015/10/main"/>
 </file>
 
 <file path=ppt/slideLayouts/slideLayout1.xml><?xml version="1.0" encoding="utf-8"?>
@@ -307,7 +316,7 @@
           <a:p>
             <a:fld id="{CCE383B9-EEF1-483A-90AE-6918ADAE74A6}" type="datetimeFigureOut">
               <a:rPr lang="en-GB" smtClean="0"/>
-              <a:t>09/06/2017</a:t>
+              <a:t>10/06/2017</a:t>
             </a:fld>
             <a:endParaRPr lang="en-GB"/>
           </a:p>
@@ -645,7 +654,7 @@
           <a:p>
             <a:fld id="{CCE383B9-EEF1-483A-90AE-6918ADAE74A6}" type="datetimeFigureOut">
               <a:rPr lang="en-GB" smtClean="0"/>
-              <a:t>09/06/2017</a:t>
+              <a:t>10/06/2017</a:t>
             </a:fld>
             <a:endParaRPr lang="en-GB"/>
           </a:p>
@@ -1046,7 +1055,7 @@
           <a:p>
             <a:fld id="{CCE383B9-EEF1-483A-90AE-6918ADAE74A6}" type="datetimeFigureOut">
               <a:rPr lang="en-GB" smtClean="0"/>
-              <a:t>09/06/2017</a:t>
+              <a:t>10/06/2017</a:t>
             </a:fld>
             <a:endParaRPr lang="en-GB"/>
           </a:p>
@@ -1382,7 +1391,7 @@
           <a:p>
             <a:fld id="{CCE383B9-EEF1-483A-90AE-6918ADAE74A6}" type="datetimeFigureOut">
               <a:rPr lang="en-GB" smtClean="0"/>
-              <a:t>09/06/2017</a:t>
+              <a:t>10/06/2017</a:t>
             </a:fld>
             <a:endParaRPr lang="en-GB"/>
           </a:p>
@@ -1702,7 +1711,7 @@
           <a:p>
             <a:fld id="{CCE383B9-EEF1-483A-90AE-6918ADAE74A6}" type="datetimeFigureOut">
               <a:rPr lang="en-GB" smtClean="0"/>
-              <a:t>09/06/2017</a:t>
+              <a:t>10/06/2017</a:t>
             </a:fld>
             <a:endParaRPr lang="en-GB"/>
           </a:p>
@@ -2098,7 +2107,7 @@
           <a:p>
             <a:fld id="{CCE383B9-EEF1-483A-90AE-6918ADAE74A6}" type="datetimeFigureOut">
               <a:rPr lang="en-GB" smtClean="0"/>
-              <a:t>09/06/2017</a:t>
+              <a:t>10/06/2017</a:t>
             </a:fld>
             <a:endParaRPr lang="en-GB"/>
           </a:p>
@@ -2355,7 +2364,7 @@
           <a:p>
             <a:fld id="{CCE383B9-EEF1-483A-90AE-6918ADAE74A6}" type="datetimeFigureOut">
               <a:rPr lang="en-GB" smtClean="0"/>
-              <a:t>09/06/2017</a:t>
+              <a:t>10/06/2017</a:t>
             </a:fld>
             <a:endParaRPr lang="en-GB"/>
           </a:p>
@@ -2617,7 +2626,7 @@
           <a:p>
             <a:fld id="{CCE383B9-EEF1-483A-90AE-6918ADAE74A6}" type="datetimeFigureOut">
               <a:rPr lang="en-GB" smtClean="0"/>
-              <a:t>09/06/2017</a:t>
+              <a:t>10/06/2017</a:t>
             </a:fld>
             <a:endParaRPr lang="en-GB"/>
           </a:p>
@@ -2879,7 +2888,7 @@
           <a:p>
             <a:fld id="{CCE383B9-EEF1-483A-90AE-6918ADAE74A6}" type="datetimeFigureOut">
               <a:rPr lang="en-GB" smtClean="0"/>
-              <a:t>09/06/2017</a:t>
+              <a:t>10/06/2017</a:t>
             </a:fld>
             <a:endParaRPr lang="en-GB"/>
           </a:p>
@@ -3208,7 +3217,7 @@
           <a:p>
             <a:fld id="{CCE383B9-EEF1-483A-90AE-6918ADAE74A6}" type="datetimeFigureOut">
               <a:rPr lang="en-GB" smtClean="0"/>
-              <a:t>09/06/2017</a:t>
+              <a:t>10/06/2017</a:t>
             </a:fld>
             <a:endParaRPr lang="en-GB"/>
           </a:p>
@@ -3531,7 +3540,7 @@
           <a:p>
             <a:fld id="{CCE383B9-EEF1-483A-90AE-6918ADAE74A6}" type="datetimeFigureOut">
               <a:rPr lang="en-GB" smtClean="0"/>
-              <a:t>09/06/2017</a:t>
+              <a:t>10/06/2017</a:t>
             </a:fld>
             <a:endParaRPr lang="en-GB"/>
           </a:p>
@@ -3988,7 +3997,7 @@
           <a:p>
             <a:fld id="{CCE383B9-EEF1-483A-90AE-6918ADAE74A6}" type="datetimeFigureOut">
               <a:rPr lang="en-GB" smtClean="0"/>
-              <a:t>09/06/2017</a:t>
+              <a:t>10/06/2017</a:t>
             </a:fld>
             <a:endParaRPr lang="en-GB"/>
           </a:p>
@@ -4193,7 +4202,7 @@
           <a:p>
             <a:fld id="{CCE383B9-EEF1-483A-90AE-6918ADAE74A6}" type="datetimeFigureOut">
               <a:rPr lang="en-GB" smtClean="0"/>
-              <a:t>09/06/2017</a:t>
+              <a:t>10/06/2017</a:t>
             </a:fld>
             <a:endParaRPr lang="en-GB"/>
           </a:p>
@@ -4370,7 +4379,7 @@
           <a:p>
             <a:fld id="{CCE383B9-EEF1-483A-90AE-6918ADAE74A6}" type="datetimeFigureOut">
               <a:rPr lang="en-GB" smtClean="0"/>
-              <a:t>09/06/2017</a:t>
+              <a:t>10/06/2017</a:t>
             </a:fld>
             <a:endParaRPr lang="en-GB"/>
           </a:p>
@@ -4703,7 +4712,7 @@
           <a:p>
             <a:fld id="{CCE383B9-EEF1-483A-90AE-6918ADAE74A6}" type="datetimeFigureOut">
               <a:rPr lang="en-GB" smtClean="0"/>
-              <a:t>09/06/2017</a:t>
+              <a:t>10/06/2017</a:t>
             </a:fld>
             <a:endParaRPr lang="en-GB"/>
           </a:p>
@@ -5048,7 +5057,7 @@
           <a:p>
             <a:fld id="{CCE383B9-EEF1-483A-90AE-6918ADAE74A6}" type="datetimeFigureOut">
               <a:rPr lang="en-GB" smtClean="0"/>
-              <a:t>09/06/2017</a:t>
+              <a:t>10/06/2017</a:t>
             </a:fld>
             <a:endParaRPr lang="en-GB"/>
           </a:p>
@@ -7165,7 +7174,7 @@
           <a:p>
             <a:fld id="{CCE383B9-EEF1-483A-90AE-6918ADAE74A6}" type="datetimeFigureOut">
               <a:rPr lang="en-GB" smtClean="0"/>
-              <a:t>09/06/2017</a:t>
+              <a:t>10/06/2017</a:t>
             </a:fld>
             <a:endParaRPr lang="en-GB"/>
           </a:p>
@@ -7815,7 +7824,63 @@
           <a:bodyPr/>
           <a:lstStyle/>
           <a:p>
-            <a:endParaRPr lang="en-GB"/>
+            <a:endParaRPr lang="en-GB" dirty="0"/>
+          </a:p>
+          <a:p>
+            <a:r>
+              <a:rPr lang="en-GB" dirty="0"/>
+              <a:t>Web app</a:t>
+            </a:r>
+          </a:p>
+          <a:p>
+            <a:r>
+              <a:rPr lang="en-GB" dirty="0"/>
+              <a:t> </a:t>
+            </a:r>
+          </a:p>
+          <a:p>
+            <a:r>
+              <a:rPr lang="en-GB" dirty="0"/>
+              <a:t> Web application</a:t>
+            </a:r>
+          </a:p>
+          <a:p>
+            <a:pPr lvl="1"/>
+            <a:r>
+              <a:rPr lang="en-GB" dirty="0"/>
+              <a:t>Can be used across all device platforms</a:t>
+            </a:r>
+          </a:p>
+          <a:p>
+            <a:pPr lvl="1"/>
+            <a:r>
+              <a:rPr lang="en-GB" dirty="0"/>
+              <a:t>Accessibility can be made easier through web-enabled tools e.g. screen reader, zooming in/out</a:t>
+            </a:r>
+          </a:p>
+          <a:p>
+            <a:pPr lvl="1"/>
+            <a:r>
+              <a:rPr lang="en-GB" dirty="0"/>
+              <a:t>Web functions are more varied than mobile app functions</a:t>
+            </a:r>
+          </a:p>
+          <a:p>
+            <a:pPr lvl="1"/>
+            <a:r>
+              <a:rPr lang="en-GB" dirty="0"/>
+              <a:t>Can be used offline</a:t>
+            </a:r>
+          </a:p>
+          <a:p>
+            <a:pPr marL="457200" lvl="1" indent="0">
+              <a:buNone/>
+            </a:pPr>
+            <a:endParaRPr lang="en-GB" dirty="0"/>
+          </a:p>
+          <a:p>
+            <a:pPr lvl="1"/>
+            <a:endParaRPr lang="en-GB" dirty="0"/>
           </a:p>
         </p:txBody>
       </p:sp>
@@ -7898,7 +7963,34 @@
           <a:bodyPr/>
           <a:lstStyle/>
           <a:p>
-            <a:endParaRPr lang="en-GB"/>
+            <a:r>
+              <a:rPr lang="en-GB" dirty="0"/>
+              <a:t>Further development into specialist hand held devices created and issued for the RNLI</a:t>
+            </a:r>
+          </a:p>
+          <a:p>
+            <a:r>
+              <a:rPr lang="en-GB" dirty="0"/>
+              <a:t>Dictionary expansions for potential diagnoses and their treatments</a:t>
+            </a:r>
+          </a:p>
+          <a:p>
+            <a:r>
+              <a:rPr lang="en-GB" dirty="0"/>
+              <a:t>Implementation of role based access control to certain app features i.e. if the application was to be released to the public in contrast to RNLI personnel use</a:t>
+            </a:r>
+          </a:p>
+          <a:p>
+            <a:r>
+              <a:rPr lang="en-GB" dirty="0"/>
+              <a:t>Implementation of patient records database linked to application </a:t>
+            </a:r>
+          </a:p>
+          <a:p>
+            <a:endParaRPr lang="en-GB" dirty="0"/>
+          </a:p>
+          <a:p>
+            <a:endParaRPr lang="en-GB" dirty="0"/>
           </a:p>
         </p:txBody>
       </p:sp>
@@ -7981,7 +8073,22 @@
           <a:bodyPr/>
           <a:lstStyle/>
           <a:p>
-            <a:endParaRPr lang="en-GB"/>
+            <a:r>
+              <a:rPr lang="en-GB" dirty="0"/>
+              <a:t>Clean cut design</a:t>
+            </a:r>
+          </a:p>
+          <a:p>
+            <a:r>
+              <a:rPr lang="en-GB" dirty="0"/>
+              <a:t>Inbuilt accessibility options/tools</a:t>
+            </a:r>
+          </a:p>
+          <a:p>
+            <a:r>
+              <a:rPr lang="en-GB" dirty="0"/>
+              <a:t>Smoother operation between client/server</a:t>
+            </a:r>
           </a:p>
         </p:txBody>
       </p:sp>
@@ -8064,7 +8171,7 @@
           <a:bodyPr/>
           <a:lstStyle/>
           <a:p>
-            <a:endParaRPr lang="en-GB"/>
+            <a:endParaRPr lang="en-GB" dirty="0"/>
           </a:p>
         </p:txBody>
       </p:sp>
@@ -8266,7 +8373,10 @@
           <a:bodyPr/>
           <a:lstStyle/>
           <a:p>
-            <a:endParaRPr lang="en-GB" dirty="0"/>
+            <a:r>
+              <a:rPr lang="en-GB" dirty="0"/>
+              <a:t> </a:t>
+            </a:r>
           </a:p>
         </p:txBody>
       </p:sp>
@@ -8349,6 +8459,18 @@
           <a:bodyPr/>
           <a:lstStyle/>
           <a:p>
+            <a:r>
+              <a:rPr lang="en-GB" dirty="0"/>
+              <a:t>Decision tree to take the user to the correct pages as quick as possible</a:t>
+            </a:r>
+          </a:p>
+          <a:p>
+            <a:r>
+              <a:rPr lang="en-GB" dirty="0"/>
+              <a:t>Option to explore pages in further detail if needed </a:t>
+            </a:r>
+          </a:p>
+          <a:p>
             <a:endParaRPr lang="en-GB" dirty="0"/>
           </a:p>
         </p:txBody>
@@ -8515,7 +8637,18 @@
           <a:bodyPr/>
           <a:lstStyle/>
           <a:p>
-            <a:endParaRPr lang="en-GB"/>
+            <a:r>
+              <a:rPr lang="en-GB" dirty="0"/>
+              <a:t>Link to external server so admins can edit the content of the application remotely </a:t>
+            </a:r>
+            <a:r>
+              <a:rPr lang="en-GB"/>
+              <a:t>through text files </a:t>
+            </a:r>
+            <a:endParaRPr lang="en-GB" dirty="0"/>
+          </a:p>
+          <a:p>
+            <a:endParaRPr lang="en-GB" dirty="0"/>
           </a:p>
         </p:txBody>
       </p:sp>
@@ -8598,7 +8731,19 @@
           <a:bodyPr/>
           <a:lstStyle/>
           <a:p>
-            <a:endParaRPr lang="en-GB"/>
+            <a:r>
+              <a:rPr lang="en-GB" dirty="0"/>
+              <a:t>Loud environment, implementation of vibration notifications</a:t>
+            </a:r>
+          </a:p>
+          <a:p>
+            <a:r>
+              <a:rPr lang="en-GB" dirty="0"/>
+              <a:t>Large, simple buttons that can be used in a high stress environment</a:t>
+            </a:r>
+          </a:p>
+          <a:p>
+            <a:endParaRPr lang="en-GB" dirty="0"/>
           </a:p>
         </p:txBody>
       </p:sp>
@@ -8681,7 +8826,7 @@
           <a:bodyPr/>
           <a:lstStyle/>
           <a:p>
-            <a:endParaRPr lang="en-GB"/>
+            <a:endParaRPr lang="en-GB" dirty="0"/>
           </a:p>
         </p:txBody>
       </p:sp>

--- a/RNLI.pptx
+++ b/RNLI.pptx
@@ -7819,9 +7819,16 @@
             <p:ph idx="1"/>
           </p:nvPr>
         </p:nvSpPr>
-        <p:spPr/>
-        <p:txBody>
-          <a:bodyPr/>
+        <p:spPr>
+          <a:xfrm>
+            <a:off x="2037347" y="1556084"/>
+            <a:ext cx="9467265" cy="4355138"/>
+          </a:xfrm>
+        </p:spPr>
+        <p:txBody>
+          <a:bodyPr>
+            <a:normAutofit/>
+          </a:bodyPr>
           <a:lstStyle/>
           <a:p>
             <a:endParaRPr lang="en-GB" dirty="0"/>
@@ -7829,13 +7836,13 @@
           <a:p>
             <a:r>
               <a:rPr lang="en-GB" dirty="0"/>
-              <a:t>Web app</a:t>
+              <a:t>Initial prompt page for user to choose the state of the patient based on the four categories they can fall into </a:t>
             </a:r>
           </a:p>
           <a:p>
             <a:r>
               <a:rPr lang="en-GB" dirty="0"/>
-              <a:t> </a:t>
+              <a:t> Depending on user choice – they are taken to the correct information page and have the option to access further information through a “dictionary” if they need it</a:t>
             </a:r>
           </a:p>
           <a:p>
@@ -8290,6 +8297,18 @@
             </a:r>
           </a:p>
           <a:p>
+            <a:r>
+              <a:rPr lang="en-GB" dirty="0"/>
+              <a:t>Global Goal: Good Health</a:t>
+            </a:r>
+          </a:p>
+          <a:p>
+            <a:pPr marL="0" indent="0">
+              <a:buNone/>
+            </a:pPr>
+            <a:endParaRPr lang="en-GB" dirty="0"/>
+          </a:p>
+          <a:p>
             <a:endParaRPr lang="en-GB" dirty="0"/>
           </a:p>
         </p:txBody>
@@ -8375,8 +8394,25 @@
           <a:p>
             <a:r>
               <a:rPr lang="en-GB" dirty="0"/>
-              <a:t> </a:t>
-            </a:r>
+              <a:t> Easier to update information systems</a:t>
+            </a:r>
+          </a:p>
+          <a:p>
+            <a:r>
+              <a:rPr lang="en-GB" dirty="0"/>
+              <a:t>More information can be made portable</a:t>
+            </a:r>
+          </a:p>
+          <a:p>
+            <a:r>
+              <a:rPr lang="en-GB" dirty="0"/>
+              <a:t>Bridging the generation gap of </a:t>
+            </a:r>
+            <a:r>
+              <a:rPr lang="en-GB"/>
+              <a:t>younger volunteers </a:t>
+            </a:r>
+            <a:endParaRPr lang="en-GB" dirty="0"/>
           </a:p>
         </p:txBody>
       </p:sp>
@@ -8471,6 +8507,15 @@
             </a:r>
           </a:p>
           <a:p>
+            <a:r>
+              <a:rPr lang="en-GB" dirty="0"/>
+              <a:t>Aimed at the “Good Health” global goal</a:t>
+            </a:r>
+          </a:p>
+          <a:p>
+            <a:endParaRPr lang="en-GB" dirty="0"/>
+          </a:p>
+          <a:p>
             <a:endParaRPr lang="en-GB" dirty="0"/>
           </a:p>
         </p:txBody>
@@ -8554,7 +8599,16 @@
           <a:bodyPr/>
           <a:lstStyle/>
           <a:p>
-            <a:endParaRPr lang="en-GB"/>
+            <a:r>
+              <a:rPr lang="en-GB" dirty="0"/>
+              <a:t>Dictionary available if volunteers or users need help during treatment</a:t>
+            </a:r>
+          </a:p>
+          <a:p>
+            <a:r>
+              <a:rPr lang="en-GB" dirty="0"/>
+              <a:t>Decision tree implemented within application in attempt to get user the correct information</a:t>
+            </a:r>
           </a:p>
         </p:txBody>
       </p:sp>
@@ -8639,13 +8693,8 @@
           <a:p>
             <a:r>
               <a:rPr lang="en-GB" dirty="0"/>
-              <a:t>Link to external server so admins can edit the content of the application remotely </a:t>
-            </a:r>
-            <a:r>
-              <a:rPr lang="en-GB"/>
-              <a:t>through text files </a:t>
-            </a:r>
-            <a:endParaRPr lang="en-GB" dirty="0"/>
+              <a:t>Link to external server so admins can edit the content of the application remotely through text files </a:t>
+            </a:r>
           </a:p>
           <a:p>
             <a:endParaRPr lang="en-GB" dirty="0"/>
@@ -8825,6 +8874,26 @@
         <p:txBody>
           <a:bodyPr/>
           <a:lstStyle/>
+          <a:p>
+            <a:r>
+              <a:rPr lang="en-GB" dirty="0"/>
+              <a:t>Vibration notifications</a:t>
+            </a:r>
+          </a:p>
+          <a:p>
+            <a:r>
+              <a:rPr lang="en-GB" dirty="0"/>
+              <a:t>Web application </a:t>
+            </a:r>
+            <a:r>
+              <a:rPr lang="en-GB" dirty="0" err="1"/>
+              <a:t>oppurtunities</a:t>
+            </a:r>
+            <a:r>
+              <a:rPr lang="en-GB" dirty="0"/>
+              <a:t> (e.g. screen readers and zooming in/out)</a:t>
+            </a:r>
+          </a:p>
           <a:p>
             <a:endParaRPr lang="en-GB" dirty="0"/>
           </a:p>

--- a/RNLI.pptx
+++ b/RNLI.pptx
@@ -7967,37 +7967,39 @@
         </p:nvSpPr>
         <p:spPr/>
         <p:txBody>
-          <a:bodyPr/>
+          <a:bodyPr>
+            <a:normAutofit/>
+          </a:bodyPr>
           <a:lstStyle/>
           <a:p>
             <a:r>
-              <a:rPr lang="en-GB" dirty="0"/>
+              <a:rPr lang="en-GB" sz="2000" dirty="0"/>
               <a:t>Further development into specialist hand held devices created and issued for the RNLI</a:t>
             </a:r>
           </a:p>
           <a:p>
             <a:r>
-              <a:rPr lang="en-GB" dirty="0"/>
+              <a:rPr lang="en-GB" sz="2000" dirty="0"/>
               <a:t>Dictionary expansions for potential diagnoses and their treatments</a:t>
             </a:r>
           </a:p>
           <a:p>
             <a:r>
-              <a:rPr lang="en-GB" dirty="0"/>
+              <a:rPr lang="en-GB" sz="2000" dirty="0"/>
               <a:t>Implementation of role based access control to certain app features i.e. if the application was to be released to the public in contrast to RNLI personnel use</a:t>
             </a:r>
           </a:p>
           <a:p>
             <a:r>
-              <a:rPr lang="en-GB" dirty="0"/>
+              <a:rPr lang="en-GB" sz="2000" dirty="0"/>
               <a:t>Implementation of patient records database linked to application </a:t>
             </a:r>
           </a:p>
           <a:p>
-            <a:endParaRPr lang="en-GB" dirty="0"/>
-          </a:p>
-          <a:p>
-            <a:endParaRPr lang="en-GB" dirty="0"/>
+            <a:endParaRPr lang="en-GB" sz="2000" dirty="0"/>
+          </a:p>
+          <a:p>
+            <a:endParaRPr lang="en-GB" sz="2000" dirty="0"/>
           </a:p>
         </p:txBody>
       </p:sp>
@@ -8077,23 +8079,31 @@
         </p:nvSpPr>
         <p:spPr/>
         <p:txBody>
-          <a:bodyPr/>
+          <a:bodyPr>
+            <a:normAutofit/>
+          </a:bodyPr>
           <a:lstStyle/>
           <a:p>
             <a:r>
-              <a:rPr lang="en-GB" dirty="0"/>
+              <a:rPr lang="en-GB" sz="2400" dirty="0"/>
               <a:t>Clean cut design</a:t>
             </a:r>
           </a:p>
           <a:p>
-            <a:r>
-              <a:rPr lang="en-GB" dirty="0"/>
-              <a:t>Inbuilt accessibility options/tools</a:t>
-            </a:r>
-          </a:p>
-          <a:p>
-            <a:r>
-              <a:rPr lang="en-GB" dirty="0"/>
+            <a:endParaRPr lang="en-GB" sz="2400" dirty="0"/>
+          </a:p>
+          <a:p>
+            <a:r>
+              <a:rPr lang="en-GB" sz="2400" dirty="0"/>
+              <a:t>Inbuilt accessibility options/tools (e.g. voice input, use of headsets) </a:t>
+            </a:r>
+          </a:p>
+          <a:p>
+            <a:endParaRPr lang="en-GB" sz="2400" dirty="0"/>
+          </a:p>
+          <a:p>
+            <a:r>
+              <a:rPr lang="en-GB" sz="2400" dirty="0"/>
               <a:t>Smoother operation between client/server</a:t>
             </a:r>
           </a:p>
@@ -8256,49 +8266,56 @@
             <p:ph idx="1"/>
           </p:nvPr>
         </p:nvSpPr>
-        <p:spPr/>
-        <p:txBody>
-          <a:bodyPr/>
+        <p:spPr>
+          <a:xfrm>
+            <a:off x="2454442" y="1588168"/>
+            <a:ext cx="9050170" cy="4323054"/>
+          </a:xfrm>
+        </p:spPr>
+        <p:txBody>
+          <a:bodyPr>
+            <a:normAutofit/>
+          </a:bodyPr>
           <a:lstStyle/>
           <a:p>
             <a:r>
-              <a:rPr lang="en-GB" dirty="0"/>
+              <a:rPr lang="en-GB" sz="2400" dirty="0"/>
               <a:t>Quick + Accurate diagnosis and treatment of the patient</a:t>
             </a:r>
           </a:p>
           <a:p>
             <a:r>
-              <a:rPr lang="en-GB" dirty="0"/>
+              <a:rPr lang="en-GB" sz="2400" dirty="0"/>
               <a:t>Prompting when needed during treatment and care</a:t>
             </a:r>
           </a:p>
           <a:p>
             <a:r>
-              <a:rPr lang="en-GB" dirty="0"/>
+              <a:rPr lang="en-GB" sz="2400" dirty="0"/>
               <a:t>Updating made easier</a:t>
             </a:r>
           </a:p>
           <a:p>
             <a:r>
-              <a:rPr lang="en-GB" dirty="0"/>
+              <a:rPr lang="en-GB" sz="2400" dirty="0"/>
               <a:t>Environmental factors considered </a:t>
             </a:r>
           </a:p>
           <a:p>
             <a:r>
-              <a:rPr lang="en-GB" dirty="0"/>
+              <a:rPr lang="en-GB" sz="2400" dirty="0"/>
               <a:t>Accessibility to all users</a:t>
             </a:r>
           </a:p>
           <a:p>
             <a:r>
-              <a:rPr lang="en-GB" dirty="0"/>
+              <a:rPr lang="en-GB" sz="2400" dirty="0"/>
               <a:t>Response tiers and user privileges of the application</a:t>
             </a:r>
           </a:p>
           <a:p>
             <a:r>
-              <a:rPr lang="en-GB" dirty="0"/>
+              <a:rPr lang="en-GB" sz="2400" dirty="0"/>
               <a:t>Global Goal: Good Health</a:t>
             </a:r>
           </a:p>
@@ -8306,10 +8323,10 @@
             <a:pPr marL="0" indent="0">
               <a:buNone/>
             </a:pPr>
-            <a:endParaRPr lang="en-GB" dirty="0"/>
-          </a:p>
-          <a:p>
-            <a:endParaRPr lang="en-GB" dirty="0"/>
+            <a:endParaRPr lang="en-GB" sz="2400" dirty="0"/>
+          </a:p>
+          <a:p>
+            <a:endParaRPr lang="en-GB" sz="2400" dirty="0"/>
           </a:p>
         </p:txBody>
       </p:sp>
@@ -8389,30 +8406,33 @@
         </p:nvSpPr>
         <p:spPr/>
         <p:txBody>
-          <a:bodyPr/>
+          <a:bodyPr>
+            <a:normAutofit/>
+          </a:bodyPr>
           <a:lstStyle/>
           <a:p>
             <a:r>
-              <a:rPr lang="en-GB" dirty="0"/>
+              <a:rPr lang="en-GB" sz="2400" dirty="0"/>
               <a:t> Easier to update information systems</a:t>
             </a:r>
           </a:p>
           <a:p>
-            <a:r>
-              <a:rPr lang="en-GB" dirty="0"/>
+            <a:endParaRPr lang="en-GB" sz="2400" dirty="0"/>
+          </a:p>
+          <a:p>
+            <a:r>
+              <a:rPr lang="en-GB" sz="2400" dirty="0"/>
               <a:t>More information can be made portable</a:t>
             </a:r>
           </a:p>
           <a:p>
-            <a:r>
-              <a:rPr lang="en-GB" dirty="0"/>
-              <a:t>Bridging the generation gap of </a:t>
-            </a:r>
-            <a:r>
-              <a:rPr lang="en-GB"/>
-              <a:t>younger volunteers </a:t>
-            </a:r>
-            <a:endParaRPr lang="en-GB" dirty="0"/>
+            <a:endParaRPr lang="en-GB" sz="2400" dirty="0"/>
+          </a:p>
+          <a:p>
+            <a:r>
+              <a:rPr lang="en-GB" sz="2400" dirty="0"/>
+              <a:t>Bridging the generation gap of younger volunteers </a:t>
+            </a:r>
           </a:p>
         </p:txBody>
       </p:sp>
@@ -8492,31 +8512,39 @@
         </p:nvSpPr>
         <p:spPr/>
         <p:txBody>
-          <a:bodyPr/>
+          <a:bodyPr>
+            <a:normAutofit/>
+          </a:bodyPr>
           <a:lstStyle/>
           <a:p>
             <a:r>
-              <a:rPr lang="en-GB" dirty="0"/>
+              <a:rPr lang="en-GB" sz="2400" dirty="0"/>
               <a:t>Decision tree to take the user to the correct pages as quick as possible</a:t>
             </a:r>
           </a:p>
           <a:p>
-            <a:r>
-              <a:rPr lang="en-GB" dirty="0"/>
+            <a:endParaRPr lang="en-GB" sz="2400" dirty="0"/>
+          </a:p>
+          <a:p>
+            <a:r>
+              <a:rPr lang="en-GB" sz="2400" dirty="0"/>
               <a:t>Option to explore pages in further detail if needed </a:t>
             </a:r>
           </a:p>
           <a:p>
-            <a:r>
-              <a:rPr lang="en-GB" dirty="0"/>
+            <a:endParaRPr lang="en-GB" sz="2400" dirty="0"/>
+          </a:p>
+          <a:p>
+            <a:r>
+              <a:rPr lang="en-GB" sz="2400" dirty="0"/>
               <a:t>Aimed at the “Good Health” global goal</a:t>
             </a:r>
           </a:p>
           <a:p>
-            <a:endParaRPr lang="en-GB" dirty="0"/>
-          </a:p>
-          <a:p>
-            <a:endParaRPr lang="en-GB" dirty="0"/>
+            <a:endParaRPr lang="en-GB" sz="2400" dirty="0"/>
+          </a:p>
+          <a:p>
+            <a:endParaRPr lang="en-GB" sz="2400" dirty="0"/>
           </a:p>
         </p:txBody>
       </p:sp>
@@ -8596,17 +8624,22 @@
         </p:nvSpPr>
         <p:spPr/>
         <p:txBody>
-          <a:bodyPr/>
+          <a:bodyPr>
+            <a:normAutofit/>
+          </a:bodyPr>
           <a:lstStyle/>
           <a:p>
             <a:r>
-              <a:rPr lang="en-GB" dirty="0"/>
+              <a:rPr lang="en-GB" sz="2400" dirty="0"/>
               <a:t>Dictionary available if volunteers or users need help during treatment</a:t>
             </a:r>
           </a:p>
           <a:p>
-            <a:r>
-              <a:rPr lang="en-GB" dirty="0"/>
+            <a:endParaRPr lang="en-GB" sz="2400" dirty="0"/>
+          </a:p>
+          <a:p>
+            <a:r>
+              <a:rPr lang="en-GB" sz="2400" dirty="0"/>
               <a:t>Decision tree implemented within application in attempt to get user the correct information</a:t>
             </a:r>
           </a:p>
@@ -8688,16 +8721,24 @@
         </p:nvSpPr>
         <p:spPr/>
         <p:txBody>
-          <a:bodyPr/>
+          <a:bodyPr>
+            <a:normAutofit/>
+          </a:bodyPr>
           <a:lstStyle/>
           <a:p>
             <a:r>
-              <a:rPr lang="en-GB" dirty="0"/>
+              <a:rPr lang="en-GB" sz="2400" dirty="0"/>
               <a:t>Link to external server so admins can edit the content of the application remotely through text files </a:t>
             </a:r>
           </a:p>
           <a:p>
-            <a:endParaRPr lang="en-GB" dirty="0"/>
+            <a:endParaRPr lang="en-GB" sz="2400" dirty="0"/>
+          </a:p>
+          <a:p>
+            <a:r>
+              <a:rPr lang="en-GB" sz="2400" dirty="0"/>
+              <a:t>Less hassle than re-distributing paper handbooks</a:t>
+            </a:r>
           </a:p>
         </p:txBody>
       </p:sp>
@@ -8777,22 +8818,27 @@
         </p:nvSpPr>
         <p:spPr/>
         <p:txBody>
-          <a:bodyPr/>
+          <a:bodyPr>
+            <a:normAutofit/>
+          </a:bodyPr>
           <a:lstStyle/>
           <a:p>
             <a:r>
-              <a:rPr lang="en-GB" dirty="0"/>
+              <a:rPr lang="en-GB" sz="2400" dirty="0"/>
               <a:t>Loud environment, implementation of vibration notifications</a:t>
             </a:r>
           </a:p>
           <a:p>
-            <a:r>
-              <a:rPr lang="en-GB" dirty="0"/>
+            <a:endParaRPr lang="en-GB" sz="2400" dirty="0"/>
+          </a:p>
+          <a:p>
+            <a:r>
+              <a:rPr lang="en-GB" sz="2400" dirty="0"/>
               <a:t>Large, simple buttons that can be used in a high stress environment</a:t>
             </a:r>
           </a:p>
           <a:p>
-            <a:endParaRPr lang="en-GB" dirty="0"/>
+            <a:endParaRPr lang="en-GB" sz="2400" dirty="0"/>
           </a:p>
         </p:txBody>
       </p:sp>
@@ -8872,30 +8918,35 @@
         </p:nvSpPr>
         <p:spPr/>
         <p:txBody>
-          <a:bodyPr/>
+          <a:bodyPr>
+            <a:normAutofit/>
+          </a:bodyPr>
           <a:lstStyle/>
           <a:p>
             <a:r>
-              <a:rPr lang="en-GB" dirty="0"/>
+              <a:rPr lang="en-GB" sz="2400" dirty="0"/>
               <a:t>Vibration notifications</a:t>
             </a:r>
           </a:p>
           <a:p>
-            <a:r>
-              <a:rPr lang="en-GB" dirty="0"/>
+            <a:endParaRPr lang="en-GB" sz="2400" dirty="0"/>
+          </a:p>
+          <a:p>
+            <a:r>
+              <a:rPr lang="en-GB" sz="2400" dirty="0"/>
               <a:t>Web application </a:t>
             </a:r>
             <a:r>
-              <a:rPr lang="en-GB" dirty="0" err="1"/>
+              <a:rPr lang="en-GB" sz="2400" dirty="0" err="1"/>
               <a:t>oppurtunities</a:t>
             </a:r>
             <a:r>
-              <a:rPr lang="en-GB" dirty="0"/>
+              <a:rPr lang="en-GB" sz="2400" dirty="0"/>
               <a:t> (e.g. screen readers and zooming in/out)</a:t>
             </a:r>
           </a:p>
           <a:p>
-            <a:endParaRPr lang="en-GB" dirty="0"/>
+            <a:endParaRPr lang="en-GB" sz="2400" dirty="0"/>
           </a:p>
         </p:txBody>
       </p:sp>
@@ -8975,10 +9026,33 @@
         </p:nvSpPr>
         <p:spPr/>
         <p:txBody>
-          <a:bodyPr/>
+          <a:bodyPr>
+            <a:normAutofit/>
+          </a:bodyPr>
           <a:lstStyle/>
           <a:p>
-            <a:endParaRPr lang="en-GB"/>
+            <a:r>
+              <a:rPr lang="en-GB" sz="2400" dirty="0"/>
+              <a:t> Expansion to the public market</a:t>
+            </a:r>
+          </a:p>
+          <a:p>
+            <a:pPr lvl="1"/>
+            <a:r>
+              <a:rPr lang="en-GB" sz="2000" dirty="0"/>
+              <a:t>Differ between public users and RNLI personnel </a:t>
+            </a:r>
+          </a:p>
+          <a:p>
+            <a:pPr lvl="1"/>
+            <a:r>
+              <a:rPr lang="en-GB" sz="2000" dirty="0"/>
+              <a:t>Additional features only available to RNLI personnel </a:t>
+            </a:r>
+          </a:p>
+          <a:p>
+            <a:pPr lvl="1"/>
+            <a:endParaRPr lang="en-GB" sz="2000" dirty="0"/>
           </a:p>
         </p:txBody>
       </p:sp>

--- a/RNLI.pptx
+++ b/RNLI.pptx
@@ -4,20 +4,17 @@
   <p:sldMasterIdLst>
     <p:sldMasterId id="2147483660" r:id="rId1"/>
   </p:sldMasterIdLst>
+  <p:notesMasterIdLst>
+    <p:notesMasterId r:id="rId9"/>
+  </p:notesMasterIdLst>
   <p:sldIdLst>
     <p:sldId id="256" r:id="rId2"/>
     <p:sldId id="257" r:id="rId3"/>
-    <p:sldId id="264" r:id="rId4"/>
-    <p:sldId id="258" r:id="rId5"/>
-    <p:sldId id="259" r:id="rId6"/>
-    <p:sldId id="260" r:id="rId7"/>
-    <p:sldId id="261" r:id="rId8"/>
-    <p:sldId id="262" r:id="rId9"/>
-    <p:sldId id="263" r:id="rId10"/>
-    <p:sldId id="265" r:id="rId11"/>
-    <p:sldId id="266" r:id="rId12"/>
-    <p:sldId id="267" r:id="rId13"/>
-    <p:sldId id="268" r:id="rId14"/>
+    <p:sldId id="258" r:id="rId4"/>
+    <p:sldId id="267" r:id="rId5"/>
+    <p:sldId id="260" r:id="rId6"/>
+    <p:sldId id="261" r:id="rId7"/>
+    <p:sldId id="266" r:id="rId8"/>
   </p:sldIdLst>
   <p:sldSz cx="12192000" cy="6858000"/>
   <p:notesSz cx="6858000" cy="9144000"/>
@@ -126,6 +123,440 @@
 
 <file path=ppt/revisionInfo.xml><?xml version="1.0" encoding="utf-8"?>
 <p1510:revInfo xmlns:a="http://schemas.openxmlformats.org/drawingml/2006/main" xmlns:r="http://schemas.openxmlformats.org/officeDocument/2006/relationships" xmlns:p1510="http://schemas.microsoft.com/office/powerpoint/2015/10/main"/>
+</file>
+
+<file path=ppt/notesMasters/notesMaster1.xml><?xml version="1.0" encoding="utf-8"?>
+<p:notesMaster xmlns:a="http://schemas.openxmlformats.org/drawingml/2006/main" xmlns:r="http://schemas.openxmlformats.org/officeDocument/2006/relationships" xmlns:p="http://schemas.openxmlformats.org/presentationml/2006/main">
+  <p:cSld>
+    <p:bg>
+      <p:bgRef idx="1001">
+        <a:schemeClr val="bg1"/>
+      </p:bgRef>
+    </p:bg>
+    <p:spTree>
+      <p:nvGrpSpPr>
+        <p:cNvPr id="1" name=""/>
+        <p:cNvGrpSpPr/>
+        <p:nvPr/>
+      </p:nvGrpSpPr>
+      <p:grpSpPr>
+        <a:xfrm>
+          <a:off x="0" y="0"/>
+          <a:ext cx="0" cy="0"/>
+          <a:chOff x="0" y="0"/>
+          <a:chExt cx="0" cy="0"/>
+        </a:xfrm>
+      </p:grpSpPr>
+      <p:sp>
+        <p:nvSpPr>
+          <p:cNvPr id="2" name="Header Placeholder 1"/>
+          <p:cNvSpPr>
+            <a:spLocks noGrp="1"/>
+          </p:cNvSpPr>
+          <p:nvPr>
+            <p:ph type="hdr" sz="quarter"/>
+          </p:nvPr>
+        </p:nvSpPr>
+        <p:spPr>
+          <a:xfrm>
+            <a:off x="0" y="0"/>
+            <a:ext cx="2971800" cy="458788"/>
+          </a:xfrm>
+          <a:prstGeom prst="rect">
+            <a:avLst/>
+          </a:prstGeom>
+        </p:spPr>
+        <p:txBody>
+          <a:bodyPr vert="horz" lIns="91440" tIns="45720" rIns="91440" bIns="45720" rtlCol="0"/>
+          <a:lstStyle>
+            <a:lvl1pPr algn="l">
+              <a:defRPr sz="1200"/>
+            </a:lvl1pPr>
+          </a:lstStyle>
+          <a:p>
+            <a:endParaRPr lang="en-GB"/>
+          </a:p>
+        </p:txBody>
+      </p:sp>
+      <p:sp>
+        <p:nvSpPr>
+          <p:cNvPr id="3" name="Date Placeholder 2"/>
+          <p:cNvSpPr>
+            <a:spLocks noGrp="1"/>
+          </p:cNvSpPr>
+          <p:nvPr>
+            <p:ph type="dt" idx="1"/>
+          </p:nvPr>
+        </p:nvSpPr>
+        <p:spPr>
+          <a:xfrm>
+            <a:off x="3884613" y="0"/>
+            <a:ext cx="2971800" cy="458788"/>
+          </a:xfrm>
+          <a:prstGeom prst="rect">
+            <a:avLst/>
+          </a:prstGeom>
+        </p:spPr>
+        <p:txBody>
+          <a:bodyPr vert="horz" lIns="91440" tIns="45720" rIns="91440" bIns="45720" rtlCol="0"/>
+          <a:lstStyle>
+            <a:lvl1pPr algn="r">
+              <a:defRPr sz="1200"/>
+            </a:lvl1pPr>
+          </a:lstStyle>
+          <a:p>
+            <a:fld id="{9A414D90-4E99-40AE-9798-A69FFCAA5461}" type="datetimeFigureOut">
+              <a:rPr lang="en-GB" smtClean="0"/>
+              <a:t>10/06/2017</a:t>
+            </a:fld>
+            <a:endParaRPr lang="en-GB"/>
+          </a:p>
+        </p:txBody>
+      </p:sp>
+      <p:sp>
+        <p:nvSpPr>
+          <p:cNvPr id="4" name="Slide Image Placeholder 3"/>
+          <p:cNvSpPr>
+            <a:spLocks noGrp="1" noRot="1" noChangeAspect="1"/>
+          </p:cNvSpPr>
+          <p:nvPr>
+            <p:ph type="sldImg" idx="2"/>
+          </p:nvPr>
+        </p:nvSpPr>
+        <p:spPr>
+          <a:xfrm>
+            <a:off x="685800" y="1143000"/>
+            <a:ext cx="5486400" cy="3086100"/>
+          </a:xfrm>
+          <a:prstGeom prst="rect">
+            <a:avLst/>
+          </a:prstGeom>
+          <a:noFill/>
+          <a:ln w="12700">
+            <a:solidFill>
+              <a:prstClr val="black"/>
+            </a:solidFill>
+          </a:ln>
+        </p:spPr>
+        <p:txBody>
+          <a:bodyPr vert="horz" lIns="91440" tIns="45720" rIns="91440" bIns="45720" rtlCol="0" anchor="ctr"/>
+          <a:lstStyle/>
+          <a:p>
+            <a:endParaRPr lang="en-GB"/>
+          </a:p>
+        </p:txBody>
+      </p:sp>
+      <p:sp>
+        <p:nvSpPr>
+          <p:cNvPr id="5" name="Notes Placeholder 4"/>
+          <p:cNvSpPr>
+            <a:spLocks noGrp="1"/>
+          </p:cNvSpPr>
+          <p:nvPr>
+            <p:ph type="body" sz="quarter" idx="3"/>
+          </p:nvPr>
+        </p:nvSpPr>
+        <p:spPr>
+          <a:xfrm>
+            <a:off x="685800" y="4400550"/>
+            <a:ext cx="5486400" cy="3600450"/>
+          </a:xfrm>
+          <a:prstGeom prst="rect">
+            <a:avLst/>
+          </a:prstGeom>
+        </p:spPr>
+        <p:txBody>
+          <a:bodyPr vert="horz" lIns="91440" tIns="45720" rIns="91440" bIns="45720" rtlCol="0"/>
+          <a:lstStyle/>
+          <a:p>
+            <a:pPr lvl="0"/>
+            <a:r>
+              <a:rPr lang="en-US"/>
+              <a:t>Edit Master text styles</a:t>
+            </a:r>
+          </a:p>
+          <a:p>
+            <a:pPr lvl="1"/>
+            <a:r>
+              <a:rPr lang="en-US"/>
+              <a:t>Second level</a:t>
+            </a:r>
+          </a:p>
+          <a:p>
+            <a:pPr lvl="2"/>
+            <a:r>
+              <a:rPr lang="en-US"/>
+              <a:t>Third level</a:t>
+            </a:r>
+          </a:p>
+          <a:p>
+            <a:pPr lvl="3"/>
+            <a:r>
+              <a:rPr lang="en-US"/>
+              <a:t>Fourth level</a:t>
+            </a:r>
+          </a:p>
+          <a:p>
+            <a:pPr lvl="4"/>
+            <a:r>
+              <a:rPr lang="en-US"/>
+              <a:t>Fifth level</a:t>
+            </a:r>
+            <a:endParaRPr lang="en-GB"/>
+          </a:p>
+        </p:txBody>
+      </p:sp>
+      <p:sp>
+        <p:nvSpPr>
+          <p:cNvPr id="6" name="Footer Placeholder 5"/>
+          <p:cNvSpPr>
+            <a:spLocks noGrp="1"/>
+          </p:cNvSpPr>
+          <p:nvPr>
+            <p:ph type="ftr" sz="quarter" idx="4"/>
+          </p:nvPr>
+        </p:nvSpPr>
+        <p:spPr>
+          <a:xfrm>
+            <a:off x="0" y="8685213"/>
+            <a:ext cx="2971800" cy="458787"/>
+          </a:xfrm>
+          <a:prstGeom prst="rect">
+            <a:avLst/>
+          </a:prstGeom>
+        </p:spPr>
+        <p:txBody>
+          <a:bodyPr vert="horz" lIns="91440" tIns="45720" rIns="91440" bIns="45720" rtlCol="0" anchor="b"/>
+          <a:lstStyle>
+            <a:lvl1pPr algn="l">
+              <a:defRPr sz="1200"/>
+            </a:lvl1pPr>
+          </a:lstStyle>
+          <a:p>
+            <a:endParaRPr lang="en-GB"/>
+          </a:p>
+        </p:txBody>
+      </p:sp>
+      <p:sp>
+        <p:nvSpPr>
+          <p:cNvPr id="7" name="Slide Number Placeholder 6"/>
+          <p:cNvSpPr>
+            <a:spLocks noGrp="1"/>
+          </p:cNvSpPr>
+          <p:nvPr>
+            <p:ph type="sldNum" sz="quarter" idx="5"/>
+          </p:nvPr>
+        </p:nvSpPr>
+        <p:spPr>
+          <a:xfrm>
+            <a:off x="3884613" y="8685213"/>
+            <a:ext cx="2971800" cy="458787"/>
+          </a:xfrm>
+          <a:prstGeom prst="rect">
+            <a:avLst/>
+          </a:prstGeom>
+        </p:spPr>
+        <p:txBody>
+          <a:bodyPr vert="horz" lIns="91440" tIns="45720" rIns="91440" bIns="45720" rtlCol="0" anchor="b"/>
+          <a:lstStyle>
+            <a:lvl1pPr algn="r">
+              <a:defRPr sz="1200"/>
+            </a:lvl1pPr>
+          </a:lstStyle>
+          <a:p>
+            <a:fld id="{16CFA060-D08F-44E5-AD7E-CF796863CE98}" type="slidenum">
+              <a:rPr lang="en-GB" smtClean="0"/>
+              <a:t>‹#›</a:t>
+            </a:fld>
+            <a:endParaRPr lang="en-GB"/>
+          </a:p>
+        </p:txBody>
+      </p:sp>
+    </p:spTree>
+    <p:extLst>
+      <p:ext uri="{BB962C8B-B14F-4D97-AF65-F5344CB8AC3E}">
+        <p14:creationId xmlns:p14="http://schemas.microsoft.com/office/powerpoint/2010/main" val="239843931"/>
+      </p:ext>
+    </p:extLst>
+  </p:cSld>
+  <p:clrMap bg1="lt1" tx1="dk1" bg2="lt2" tx2="dk2" accent1="accent1" accent2="accent2" accent3="accent3" accent4="accent4" accent5="accent5" accent6="accent6" hlink="hlink" folHlink="folHlink"/>
+  <p:notesStyle>
+    <a:lvl1pPr marL="0" algn="l" defTabSz="914400" rtl="0" eaLnBrk="1" latinLnBrk="0" hangingPunct="1">
+      <a:defRPr sz="1200" kern="1200">
+        <a:solidFill>
+          <a:schemeClr val="tx1"/>
+        </a:solidFill>
+        <a:latin typeface="+mn-lt"/>
+        <a:ea typeface="+mn-ea"/>
+        <a:cs typeface="+mn-cs"/>
+      </a:defRPr>
+    </a:lvl1pPr>
+    <a:lvl2pPr marL="457200" algn="l" defTabSz="914400" rtl="0" eaLnBrk="1" latinLnBrk="0" hangingPunct="1">
+      <a:defRPr sz="1200" kern="1200">
+        <a:solidFill>
+          <a:schemeClr val="tx1"/>
+        </a:solidFill>
+        <a:latin typeface="+mn-lt"/>
+        <a:ea typeface="+mn-ea"/>
+        <a:cs typeface="+mn-cs"/>
+      </a:defRPr>
+    </a:lvl2pPr>
+    <a:lvl3pPr marL="914400" algn="l" defTabSz="914400" rtl="0" eaLnBrk="1" latinLnBrk="0" hangingPunct="1">
+      <a:defRPr sz="1200" kern="1200">
+        <a:solidFill>
+          <a:schemeClr val="tx1"/>
+        </a:solidFill>
+        <a:latin typeface="+mn-lt"/>
+        <a:ea typeface="+mn-ea"/>
+        <a:cs typeface="+mn-cs"/>
+      </a:defRPr>
+    </a:lvl3pPr>
+    <a:lvl4pPr marL="1371600" algn="l" defTabSz="914400" rtl="0" eaLnBrk="1" latinLnBrk="0" hangingPunct="1">
+      <a:defRPr sz="1200" kern="1200">
+        <a:solidFill>
+          <a:schemeClr val="tx1"/>
+        </a:solidFill>
+        <a:latin typeface="+mn-lt"/>
+        <a:ea typeface="+mn-ea"/>
+        <a:cs typeface="+mn-cs"/>
+      </a:defRPr>
+    </a:lvl4pPr>
+    <a:lvl5pPr marL="1828800" algn="l" defTabSz="914400" rtl="0" eaLnBrk="1" latinLnBrk="0" hangingPunct="1">
+      <a:defRPr sz="1200" kern="1200">
+        <a:solidFill>
+          <a:schemeClr val="tx1"/>
+        </a:solidFill>
+        <a:latin typeface="+mn-lt"/>
+        <a:ea typeface="+mn-ea"/>
+        <a:cs typeface="+mn-cs"/>
+      </a:defRPr>
+    </a:lvl5pPr>
+    <a:lvl6pPr marL="2286000" algn="l" defTabSz="914400" rtl="0" eaLnBrk="1" latinLnBrk="0" hangingPunct="1">
+      <a:defRPr sz="1200" kern="1200">
+        <a:solidFill>
+          <a:schemeClr val="tx1"/>
+        </a:solidFill>
+        <a:latin typeface="+mn-lt"/>
+        <a:ea typeface="+mn-ea"/>
+        <a:cs typeface="+mn-cs"/>
+      </a:defRPr>
+    </a:lvl6pPr>
+    <a:lvl7pPr marL="2743200" algn="l" defTabSz="914400" rtl="0" eaLnBrk="1" latinLnBrk="0" hangingPunct="1">
+      <a:defRPr sz="1200" kern="1200">
+        <a:solidFill>
+          <a:schemeClr val="tx1"/>
+        </a:solidFill>
+        <a:latin typeface="+mn-lt"/>
+        <a:ea typeface="+mn-ea"/>
+        <a:cs typeface="+mn-cs"/>
+      </a:defRPr>
+    </a:lvl7pPr>
+    <a:lvl8pPr marL="3200400" algn="l" defTabSz="914400" rtl="0" eaLnBrk="1" latinLnBrk="0" hangingPunct="1">
+      <a:defRPr sz="1200" kern="1200">
+        <a:solidFill>
+          <a:schemeClr val="tx1"/>
+        </a:solidFill>
+        <a:latin typeface="+mn-lt"/>
+        <a:ea typeface="+mn-ea"/>
+        <a:cs typeface="+mn-cs"/>
+      </a:defRPr>
+    </a:lvl8pPr>
+    <a:lvl9pPr marL="3657600" algn="l" defTabSz="914400" rtl="0" eaLnBrk="1" latinLnBrk="0" hangingPunct="1">
+      <a:defRPr sz="1200" kern="1200">
+        <a:solidFill>
+          <a:schemeClr val="tx1"/>
+        </a:solidFill>
+        <a:latin typeface="+mn-lt"/>
+        <a:ea typeface="+mn-ea"/>
+        <a:cs typeface="+mn-cs"/>
+      </a:defRPr>
+    </a:lvl9pPr>
+  </p:notesStyle>
+</p:notesMaster>
+</file>
+
+<file path=ppt/notesSlides/notesSlide1.xml><?xml version="1.0" encoding="utf-8"?>
+<p:notes xmlns:a="http://schemas.openxmlformats.org/drawingml/2006/main" xmlns:r="http://schemas.openxmlformats.org/officeDocument/2006/relationships" xmlns:p="http://schemas.openxmlformats.org/presentationml/2006/main">
+  <p:cSld>
+    <p:spTree>
+      <p:nvGrpSpPr>
+        <p:cNvPr id="1" name=""/>
+        <p:cNvGrpSpPr/>
+        <p:nvPr/>
+      </p:nvGrpSpPr>
+      <p:grpSpPr>
+        <a:xfrm>
+          <a:off x="0" y="0"/>
+          <a:ext cx="0" cy="0"/>
+          <a:chOff x="0" y="0"/>
+          <a:chExt cx="0" cy="0"/>
+        </a:xfrm>
+      </p:grpSpPr>
+      <p:sp>
+        <p:nvSpPr>
+          <p:cNvPr id="2" name="Slide Image Placeholder 1"/>
+          <p:cNvSpPr>
+            <a:spLocks noGrp="1" noRot="1" noChangeAspect="1"/>
+          </p:cNvSpPr>
+          <p:nvPr>
+            <p:ph type="sldImg"/>
+          </p:nvPr>
+        </p:nvSpPr>
+        <p:spPr/>
+      </p:sp>
+      <p:sp>
+        <p:nvSpPr>
+          <p:cNvPr id="3" name="Notes Placeholder 2"/>
+          <p:cNvSpPr>
+            <a:spLocks noGrp="1"/>
+          </p:cNvSpPr>
+          <p:nvPr>
+            <p:ph type="body" idx="1"/>
+          </p:nvPr>
+        </p:nvSpPr>
+        <p:spPr/>
+        <p:txBody>
+          <a:bodyPr/>
+          <a:lstStyle/>
+          <a:p>
+            <a:endParaRPr lang="en-GB" dirty="0"/>
+          </a:p>
+        </p:txBody>
+      </p:sp>
+      <p:sp>
+        <p:nvSpPr>
+          <p:cNvPr id="4" name="Slide Number Placeholder 3"/>
+          <p:cNvSpPr>
+            <a:spLocks noGrp="1"/>
+          </p:cNvSpPr>
+          <p:nvPr>
+            <p:ph type="sldNum" sz="quarter" idx="10"/>
+          </p:nvPr>
+        </p:nvSpPr>
+        <p:spPr/>
+        <p:txBody>
+          <a:bodyPr/>
+          <a:lstStyle/>
+          <a:p>
+            <a:fld id="{16CFA060-D08F-44E5-AD7E-CF796863CE98}" type="slidenum">
+              <a:rPr lang="en-GB" smtClean="0"/>
+              <a:t>3</a:t>
+            </a:fld>
+            <a:endParaRPr lang="en-GB"/>
+          </a:p>
+        </p:txBody>
+      </p:sp>
+    </p:spTree>
+    <p:extLst>
+      <p:ext uri="{BB962C8B-B14F-4D97-AF65-F5344CB8AC3E}">
+        <p14:creationId xmlns:p14="http://schemas.microsoft.com/office/powerpoint/2010/main" val="868448650"/>
+      </p:ext>
+    </p:extLst>
+  </p:cSld>
+  <p:clrMapOvr>
+    <a:masterClrMapping/>
+  </p:clrMapOvr>
+</p:notes>
 </file>
 
 <file path=ppt/slideLayouts/slideLayout1.xml><?xml version="1.0" encoding="utf-8"?>
@@ -7708,14 +8139,19 @@
             <p:ph type="ctrTitle"/>
           </p:nvPr>
         </p:nvSpPr>
-        <p:spPr/>
+        <p:spPr>
+          <a:xfrm>
+            <a:off x="2589213" y="2428875"/>
+            <a:ext cx="8915399" cy="2262781"/>
+          </a:xfrm>
+        </p:spPr>
         <p:txBody>
           <a:bodyPr/>
           <a:lstStyle/>
           <a:p>
             <a:r>
               <a:rPr lang="en-GB" dirty="0"/>
-              <a:t>RNLI </a:t>
+              <a:t>RNLI Casualty Check Card Digitalisation </a:t>
             </a:r>
           </a:p>
         </p:txBody>
@@ -7741,7 +8177,34 @@
           <a:bodyPr/>
           <a:lstStyle/>
           <a:p>
-            <a:endParaRPr lang="en-GB"/>
+            <a:r>
+              <a:rPr lang="en-GB" dirty="0"/>
+              <a:t>Sophia McCall, Kieran </a:t>
+            </a:r>
+            <a:r>
+              <a:rPr lang="en-GB" dirty="0" err="1"/>
+              <a:t>Rendall</a:t>
+            </a:r>
+            <a:r>
+              <a:rPr lang="en-GB" dirty="0"/>
+              <a:t>, </a:t>
+            </a:r>
+            <a:r>
+              <a:rPr lang="en-GB" dirty="0" err="1"/>
+              <a:t>Egle</a:t>
+            </a:r>
+            <a:r>
+              <a:rPr lang="en-GB" dirty="0"/>
+              <a:t>, </a:t>
+            </a:r>
+            <a:r>
+              <a:rPr lang="en-GB" dirty="0" err="1"/>
+              <a:t>Kayisah</a:t>
+            </a:r>
+            <a:r>
+              <a:rPr lang="en-GB" dirty="0"/>
+              <a:t> </a:t>
+            </a:r>
           </a:p>
         </p:txBody>
       </p:sp>
@@ -7749,453 +8212,6 @@
     <p:extLst>
       <p:ext uri="{BB962C8B-B14F-4D97-AF65-F5344CB8AC3E}">
         <p14:creationId xmlns:p14="http://schemas.microsoft.com/office/powerpoint/2010/main" val="2009654504"/>
-      </p:ext>
-    </p:extLst>
-  </p:cSld>
-  <p:clrMapOvr>
-    <a:masterClrMapping/>
-  </p:clrMapOvr>
-</p:sld>
-</file>
-
-<file path=ppt/slides/slide10.xml><?xml version="1.0" encoding="utf-8"?>
-<p:sld xmlns:a="http://schemas.openxmlformats.org/drawingml/2006/main" xmlns:r="http://schemas.openxmlformats.org/officeDocument/2006/relationships" xmlns:p="http://schemas.openxmlformats.org/presentationml/2006/main">
-  <p:cSld>
-    <p:spTree>
-      <p:nvGrpSpPr>
-        <p:cNvPr id="1" name=""/>
-        <p:cNvGrpSpPr/>
-        <p:nvPr/>
-      </p:nvGrpSpPr>
-      <p:grpSpPr>
-        <a:xfrm>
-          <a:off x="0" y="0"/>
-          <a:ext cx="0" cy="0"/>
-          <a:chOff x="0" y="0"/>
-          <a:chExt cx="0" cy="0"/>
-        </a:xfrm>
-      </p:grpSpPr>
-      <p:sp>
-        <p:nvSpPr>
-          <p:cNvPr id="2" name="Title 1">
-            <a:extLst>
-              <a:ext uri="{FF2B5EF4-FFF2-40B4-BE49-F238E27FC236}">
-                <a16:creationId xmlns:a16="http://schemas.microsoft.com/office/drawing/2014/main" id="{E00E5AFA-13AF-45E0-B89A-208381B196CC}"/>
-              </a:ext>
-            </a:extLst>
-          </p:cNvPr>
-          <p:cNvSpPr>
-            <a:spLocks noGrp="1"/>
-          </p:cNvSpPr>
-          <p:nvPr>
-            <p:ph type="title"/>
-          </p:nvPr>
-        </p:nvSpPr>
-        <p:spPr/>
-        <p:txBody>
-          <a:bodyPr/>
-          <a:lstStyle/>
-          <a:p>
-            <a:r>
-              <a:rPr lang="en-GB" dirty="0"/>
-              <a:t>Main components and Design </a:t>
-            </a:r>
-          </a:p>
-        </p:txBody>
-      </p:sp>
-      <p:sp>
-        <p:nvSpPr>
-          <p:cNvPr id="3" name="Content Placeholder 2">
-            <a:extLst>
-              <a:ext uri="{FF2B5EF4-FFF2-40B4-BE49-F238E27FC236}">
-                <a16:creationId xmlns:a16="http://schemas.microsoft.com/office/drawing/2014/main" id="{475B8622-30CF-469E-9A9F-5C527231513E}"/>
-              </a:ext>
-            </a:extLst>
-          </p:cNvPr>
-          <p:cNvSpPr>
-            <a:spLocks noGrp="1"/>
-          </p:cNvSpPr>
-          <p:nvPr>
-            <p:ph idx="1"/>
-          </p:nvPr>
-        </p:nvSpPr>
-        <p:spPr>
-          <a:xfrm>
-            <a:off x="2037347" y="1556084"/>
-            <a:ext cx="9467265" cy="4355138"/>
-          </a:xfrm>
-        </p:spPr>
-        <p:txBody>
-          <a:bodyPr>
-            <a:normAutofit/>
-          </a:bodyPr>
-          <a:lstStyle/>
-          <a:p>
-            <a:endParaRPr lang="en-GB" dirty="0"/>
-          </a:p>
-          <a:p>
-            <a:r>
-              <a:rPr lang="en-GB" dirty="0"/>
-              <a:t>Initial prompt page for user to choose the state of the patient based on the four categories they can fall into </a:t>
-            </a:r>
-          </a:p>
-          <a:p>
-            <a:r>
-              <a:rPr lang="en-GB" dirty="0"/>
-              <a:t> Depending on user choice – they are taken to the correct information page and have the option to access further information through a “dictionary” if they need it</a:t>
-            </a:r>
-          </a:p>
-          <a:p>
-            <a:r>
-              <a:rPr lang="en-GB" dirty="0"/>
-              <a:t> Web application</a:t>
-            </a:r>
-          </a:p>
-          <a:p>
-            <a:pPr lvl="1"/>
-            <a:r>
-              <a:rPr lang="en-GB" dirty="0"/>
-              <a:t>Can be used across all device platforms</a:t>
-            </a:r>
-          </a:p>
-          <a:p>
-            <a:pPr lvl="1"/>
-            <a:r>
-              <a:rPr lang="en-GB" dirty="0"/>
-              <a:t>Accessibility can be made easier through web-enabled tools e.g. screen reader, zooming in/out</a:t>
-            </a:r>
-          </a:p>
-          <a:p>
-            <a:pPr lvl="1"/>
-            <a:r>
-              <a:rPr lang="en-GB" dirty="0"/>
-              <a:t>Web functions are more varied than mobile app functions</a:t>
-            </a:r>
-          </a:p>
-          <a:p>
-            <a:pPr lvl="1"/>
-            <a:r>
-              <a:rPr lang="en-GB" dirty="0"/>
-              <a:t>Can be used offline</a:t>
-            </a:r>
-          </a:p>
-          <a:p>
-            <a:pPr marL="457200" lvl="1" indent="0">
-              <a:buNone/>
-            </a:pPr>
-            <a:endParaRPr lang="en-GB" dirty="0"/>
-          </a:p>
-          <a:p>
-            <a:pPr lvl="1"/>
-            <a:endParaRPr lang="en-GB" dirty="0"/>
-          </a:p>
-        </p:txBody>
-      </p:sp>
-    </p:spTree>
-    <p:extLst>
-      <p:ext uri="{BB962C8B-B14F-4D97-AF65-F5344CB8AC3E}">
-        <p14:creationId xmlns:p14="http://schemas.microsoft.com/office/powerpoint/2010/main" val="1148636800"/>
-      </p:ext>
-    </p:extLst>
-  </p:cSld>
-  <p:clrMapOvr>
-    <a:masterClrMapping/>
-  </p:clrMapOvr>
-</p:sld>
-</file>
-
-<file path=ppt/slides/slide11.xml><?xml version="1.0" encoding="utf-8"?>
-<p:sld xmlns:a="http://schemas.openxmlformats.org/drawingml/2006/main" xmlns:r="http://schemas.openxmlformats.org/officeDocument/2006/relationships" xmlns:p="http://schemas.openxmlformats.org/presentationml/2006/main">
-  <p:cSld>
-    <p:spTree>
-      <p:nvGrpSpPr>
-        <p:cNvPr id="1" name=""/>
-        <p:cNvGrpSpPr/>
-        <p:nvPr/>
-      </p:nvGrpSpPr>
-      <p:grpSpPr>
-        <a:xfrm>
-          <a:off x="0" y="0"/>
-          <a:ext cx="0" cy="0"/>
-          <a:chOff x="0" y="0"/>
-          <a:chExt cx="0" cy="0"/>
-        </a:xfrm>
-      </p:grpSpPr>
-      <p:sp>
-        <p:nvSpPr>
-          <p:cNvPr id="2" name="Title 1">
-            <a:extLst>
-              <a:ext uri="{FF2B5EF4-FFF2-40B4-BE49-F238E27FC236}">
-                <a16:creationId xmlns:a16="http://schemas.microsoft.com/office/drawing/2014/main" id="{AC2A6EA3-A180-4551-ABA0-02AFCF7C3EE9}"/>
-              </a:ext>
-            </a:extLst>
-          </p:cNvPr>
-          <p:cNvSpPr>
-            <a:spLocks noGrp="1"/>
-          </p:cNvSpPr>
-          <p:nvPr>
-            <p:ph type="title"/>
-          </p:nvPr>
-        </p:nvSpPr>
-        <p:spPr/>
-        <p:txBody>
-          <a:bodyPr/>
-          <a:lstStyle/>
-          <a:p>
-            <a:r>
-              <a:rPr lang="en-GB" dirty="0"/>
-              <a:t>Developments for the future </a:t>
-            </a:r>
-          </a:p>
-        </p:txBody>
-      </p:sp>
-      <p:sp>
-        <p:nvSpPr>
-          <p:cNvPr id="3" name="Content Placeholder 2">
-            <a:extLst>
-              <a:ext uri="{FF2B5EF4-FFF2-40B4-BE49-F238E27FC236}">
-                <a16:creationId xmlns:a16="http://schemas.microsoft.com/office/drawing/2014/main" id="{6F5E1CBD-3E00-42A3-ABAC-42229F0C8EEA}"/>
-              </a:ext>
-            </a:extLst>
-          </p:cNvPr>
-          <p:cNvSpPr>
-            <a:spLocks noGrp="1"/>
-          </p:cNvSpPr>
-          <p:nvPr>
-            <p:ph idx="1"/>
-          </p:nvPr>
-        </p:nvSpPr>
-        <p:spPr/>
-        <p:txBody>
-          <a:bodyPr>
-            <a:normAutofit/>
-          </a:bodyPr>
-          <a:lstStyle/>
-          <a:p>
-            <a:r>
-              <a:rPr lang="en-GB" sz="2000" dirty="0"/>
-              <a:t>Further development into specialist hand held devices created and issued for the RNLI</a:t>
-            </a:r>
-          </a:p>
-          <a:p>
-            <a:r>
-              <a:rPr lang="en-GB" sz="2000" dirty="0"/>
-              <a:t>Dictionary expansions for potential diagnoses and their treatments</a:t>
-            </a:r>
-          </a:p>
-          <a:p>
-            <a:r>
-              <a:rPr lang="en-GB" sz="2000" dirty="0"/>
-              <a:t>Implementation of role based access control to certain app features i.e. if the application was to be released to the public in contrast to RNLI personnel use</a:t>
-            </a:r>
-          </a:p>
-          <a:p>
-            <a:r>
-              <a:rPr lang="en-GB" sz="2000" dirty="0"/>
-              <a:t>Implementation of patient records database linked to application </a:t>
-            </a:r>
-          </a:p>
-          <a:p>
-            <a:endParaRPr lang="en-GB" sz="2000" dirty="0"/>
-          </a:p>
-          <a:p>
-            <a:endParaRPr lang="en-GB" sz="2000" dirty="0"/>
-          </a:p>
-        </p:txBody>
-      </p:sp>
-    </p:spTree>
-    <p:extLst>
-      <p:ext uri="{BB962C8B-B14F-4D97-AF65-F5344CB8AC3E}">
-        <p14:creationId xmlns:p14="http://schemas.microsoft.com/office/powerpoint/2010/main" val="2045969105"/>
-      </p:ext>
-    </p:extLst>
-  </p:cSld>
-  <p:clrMapOvr>
-    <a:masterClrMapping/>
-  </p:clrMapOvr>
-</p:sld>
-</file>
-
-<file path=ppt/slides/slide12.xml><?xml version="1.0" encoding="utf-8"?>
-<p:sld xmlns:a="http://schemas.openxmlformats.org/drawingml/2006/main" xmlns:r="http://schemas.openxmlformats.org/officeDocument/2006/relationships" xmlns:p="http://schemas.openxmlformats.org/presentationml/2006/main">
-  <p:cSld>
-    <p:spTree>
-      <p:nvGrpSpPr>
-        <p:cNvPr id="1" name=""/>
-        <p:cNvGrpSpPr/>
-        <p:nvPr/>
-      </p:nvGrpSpPr>
-      <p:grpSpPr>
-        <a:xfrm>
-          <a:off x="0" y="0"/>
-          <a:ext cx="0" cy="0"/>
-          <a:chOff x="0" y="0"/>
-          <a:chExt cx="0" cy="0"/>
-        </a:xfrm>
-      </p:grpSpPr>
-      <p:sp>
-        <p:nvSpPr>
-          <p:cNvPr id="2" name="Title 1">
-            <a:extLst>
-              <a:ext uri="{FF2B5EF4-FFF2-40B4-BE49-F238E27FC236}">
-                <a16:creationId xmlns:a16="http://schemas.microsoft.com/office/drawing/2014/main" id="{D559131D-E779-44B5-9CD9-D1DEC229FC75}"/>
-              </a:ext>
-            </a:extLst>
-          </p:cNvPr>
-          <p:cNvSpPr>
-            <a:spLocks noGrp="1"/>
-          </p:cNvSpPr>
-          <p:nvPr>
-            <p:ph type="title"/>
-          </p:nvPr>
-        </p:nvSpPr>
-        <p:spPr/>
-        <p:txBody>
-          <a:bodyPr/>
-          <a:lstStyle/>
-          <a:p>
-            <a:r>
-              <a:rPr lang="en-GB" dirty="0"/>
-              <a:t>Improvements </a:t>
-            </a:r>
-          </a:p>
-        </p:txBody>
-      </p:sp>
-      <p:sp>
-        <p:nvSpPr>
-          <p:cNvPr id="3" name="Content Placeholder 2">
-            <a:extLst>
-              <a:ext uri="{FF2B5EF4-FFF2-40B4-BE49-F238E27FC236}">
-                <a16:creationId xmlns:a16="http://schemas.microsoft.com/office/drawing/2014/main" id="{1A04C988-D690-4FD6-AD7C-B780886BC907}"/>
-              </a:ext>
-            </a:extLst>
-          </p:cNvPr>
-          <p:cNvSpPr>
-            <a:spLocks noGrp="1"/>
-          </p:cNvSpPr>
-          <p:nvPr>
-            <p:ph idx="1"/>
-          </p:nvPr>
-        </p:nvSpPr>
-        <p:spPr/>
-        <p:txBody>
-          <a:bodyPr>
-            <a:normAutofit/>
-          </a:bodyPr>
-          <a:lstStyle/>
-          <a:p>
-            <a:r>
-              <a:rPr lang="en-GB" sz="2400" dirty="0"/>
-              <a:t>Clean cut design</a:t>
-            </a:r>
-          </a:p>
-          <a:p>
-            <a:endParaRPr lang="en-GB" sz="2400" dirty="0"/>
-          </a:p>
-          <a:p>
-            <a:r>
-              <a:rPr lang="en-GB" sz="2400" dirty="0"/>
-              <a:t>Inbuilt accessibility options/tools (e.g. voice input, use of headsets) </a:t>
-            </a:r>
-          </a:p>
-          <a:p>
-            <a:endParaRPr lang="en-GB" sz="2400" dirty="0"/>
-          </a:p>
-          <a:p>
-            <a:r>
-              <a:rPr lang="en-GB" sz="2400" dirty="0"/>
-              <a:t>Smoother operation between client/server</a:t>
-            </a:r>
-          </a:p>
-        </p:txBody>
-      </p:sp>
-    </p:spTree>
-    <p:extLst>
-      <p:ext uri="{BB962C8B-B14F-4D97-AF65-F5344CB8AC3E}">
-        <p14:creationId xmlns:p14="http://schemas.microsoft.com/office/powerpoint/2010/main" val="2903070918"/>
-      </p:ext>
-    </p:extLst>
-  </p:cSld>
-  <p:clrMapOvr>
-    <a:masterClrMapping/>
-  </p:clrMapOvr>
-</p:sld>
-</file>
-
-<file path=ppt/slides/slide13.xml><?xml version="1.0" encoding="utf-8"?>
-<p:sld xmlns:a="http://schemas.openxmlformats.org/drawingml/2006/main" xmlns:r="http://schemas.openxmlformats.org/officeDocument/2006/relationships" xmlns:p="http://schemas.openxmlformats.org/presentationml/2006/main">
-  <p:cSld>
-    <p:spTree>
-      <p:nvGrpSpPr>
-        <p:cNvPr id="1" name=""/>
-        <p:cNvGrpSpPr/>
-        <p:nvPr/>
-      </p:nvGrpSpPr>
-      <p:grpSpPr>
-        <a:xfrm>
-          <a:off x="0" y="0"/>
-          <a:ext cx="0" cy="0"/>
-          <a:chOff x="0" y="0"/>
-          <a:chExt cx="0" cy="0"/>
-        </a:xfrm>
-      </p:grpSpPr>
-      <p:sp>
-        <p:nvSpPr>
-          <p:cNvPr id="2" name="Title 1">
-            <a:extLst>
-              <a:ext uri="{FF2B5EF4-FFF2-40B4-BE49-F238E27FC236}">
-                <a16:creationId xmlns:a16="http://schemas.microsoft.com/office/drawing/2014/main" id="{E4687163-A05E-468C-B141-DA0CA84C8C33}"/>
-              </a:ext>
-            </a:extLst>
-          </p:cNvPr>
-          <p:cNvSpPr>
-            <a:spLocks noGrp="1"/>
-          </p:cNvSpPr>
-          <p:nvPr>
-            <p:ph type="title"/>
-          </p:nvPr>
-        </p:nvSpPr>
-        <p:spPr/>
-        <p:txBody>
-          <a:bodyPr/>
-          <a:lstStyle/>
-          <a:p>
-            <a:r>
-              <a:rPr lang="en-GB" dirty="0"/>
-              <a:t>Conclusion </a:t>
-            </a:r>
-          </a:p>
-        </p:txBody>
-      </p:sp>
-      <p:sp>
-        <p:nvSpPr>
-          <p:cNvPr id="3" name="Content Placeholder 2">
-            <a:extLst>
-              <a:ext uri="{FF2B5EF4-FFF2-40B4-BE49-F238E27FC236}">
-                <a16:creationId xmlns:a16="http://schemas.microsoft.com/office/drawing/2014/main" id="{E8DEAF1A-FDEE-49ED-AAB9-350E5964B41D}"/>
-              </a:ext>
-            </a:extLst>
-          </p:cNvPr>
-          <p:cNvSpPr>
-            <a:spLocks noGrp="1"/>
-          </p:cNvSpPr>
-          <p:nvPr>
-            <p:ph idx="1"/>
-          </p:nvPr>
-        </p:nvSpPr>
-        <p:spPr/>
-        <p:txBody>
-          <a:bodyPr/>
-          <a:lstStyle/>
-          <a:p>
-            <a:endParaRPr lang="en-GB" dirty="0"/>
-          </a:p>
-        </p:txBody>
-      </p:sp>
-    </p:spTree>
-    <p:extLst>
-      <p:ext uri="{BB962C8B-B14F-4D97-AF65-F5344CB8AC3E}">
-        <p14:creationId xmlns:p14="http://schemas.microsoft.com/office/powerpoint/2010/main" val="2206688335"/>
       </p:ext>
     </p:extLst>
   </p:cSld>
@@ -8268,7 +8284,7 @@
         </p:nvSpPr>
         <p:spPr>
           <a:xfrm>
-            <a:off x="2454442" y="1588168"/>
+            <a:off x="2592925" y="1502108"/>
             <a:ext cx="9050170" cy="4323054"/>
           </a:xfrm>
         </p:spPr>
@@ -8279,41 +8295,34 @@
           <a:lstStyle/>
           <a:p>
             <a:r>
-              <a:rPr lang="en-GB" sz="2400" dirty="0"/>
+              <a:rPr lang="en-GB" sz="2800" dirty="0"/>
               <a:t>Quick + Accurate diagnosis and treatment of the patient</a:t>
             </a:r>
           </a:p>
           <a:p>
-            <a:r>
-              <a:rPr lang="en-GB" sz="2400" dirty="0"/>
-              <a:t>Prompting when needed during treatment and care</a:t>
-            </a:r>
-          </a:p>
-          <a:p>
-            <a:r>
-              <a:rPr lang="en-GB" sz="2400" dirty="0"/>
+            <a:endParaRPr lang="en-GB" sz="2800" dirty="0"/>
+          </a:p>
+          <a:p>
+            <a:r>
+              <a:rPr lang="en-GB" sz="2800" dirty="0"/>
               <a:t>Updating made easier</a:t>
             </a:r>
           </a:p>
           <a:p>
-            <a:r>
-              <a:rPr lang="en-GB" sz="2400" dirty="0"/>
+            <a:endParaRPr lang="en-GB" sz="2800" dirty="0"/>
+          </a:p>
+          <a:p>
+            <a:r>
+              <a:rPr lang="en-GB" sz="2800" dirty="0"/>
               <a:t>Environmental factors considered </a:t>
             </a:r>
-          </a:p>
-          <a:p>
-            <a:r>
-              <a:rPr lang="en-GB" sz="2400" dirty="0"/>
-              <a:t>Accessibility to all users</a:t>
-            </a:r>
-          </a:p>
-          <a:p>
-            <a:r>
-              <a:rPr lang="en-GB" sz="2400" dirty="0"/>
-              <a:t>Response tiers and user privileges of the application</a:t>
-            </a:r>
-          </a:p>
-          <a:p>
+            <a:br>
+              <a:rPr lang="en-GB" sz="2800" dirty="0"/>
+            </a:br>
+            <a:endParaRPr lang="en-GB" sz="2800" dirty="0"/>
+          </a:p>
+          <a:p>
+            <a:pPr lvl="1"/>
             <a:r>
               <a:rPr lang="en-GB" sz="2400" dirty="0"/>
               <a:t>Global Goal: Good Health</a:t>
@@ -8323,10 +8332,10 @@
             <a:pPr marL="0" indent="0">
               <a:buNone/>
             </a:pPr>
-            <a:endParaRPr lang="en-GB" sz="2400" dirty="0"/>
-          </a:p>
-          <a:p>
-            <a:endParaRPr lang="en-GB" sz="2400" dirty="0"/>
+            <a:endParaRPr lang="en-GB" sz="2800" dirty="0"/>
+          </a:p>
+          <a:p>
+            <a:endParaRPr lang="en-GB" sz="2800" dirty="0"/>
           </a:p>
         </p:txBody>
       </p:sp>
@@ -8365,7 +8374,7 @@
           <p:cNvPr id="2" name="Title 1">
             <a:extLst>
               <a:ext uri="{FF2B5EF4-FFF2-40B4-BE49-F238E27FC236}">
-                <a16:creationId xmlns:a16="http://schemas.microsoft.com/office/drawing/2014/main" id="{73E188EE-EC05-4C4C-A68A-21C6D37101AF}"/>
+                <a16:creationId xmlns:a16="http://schemas.microsoft.com/office/drawing/2014/main" id="{9A14AECF-B423-49B2-8ADA-FB40A8BEA460}"/>
               </a:ext>
             </a:extLst>
           </p:cNvPr>
@@ -8376,70 +8385,117 @@
             <p:ph type="title"/>
           </p:nvPr>
         </p:nvSpPr>
-        <p:spPr/>
+        <p:spPr>
+          <a:xfrm>
+            <a:off x="1869025" y="0"/>
+            <a:ext cx="8911687" cy="1280890"/>
+          </a:xfrm>
+        </p:spPr>
         <p:txBody>
           <a:bodyPr/>
           <a:lstStyle/>
           <a:p>
             <a:r>
               <a:rPr lang="en-GB" dirty="0"/>
-              <a:t>Why go digital? </a:t>
-            </a:r>
-          </a:p>
-        </p:txBody>
-      </p:sp>
-      <p:sp>
-        <p:nvSpPr>
-          <p:cNvPr id="3" name="Content Placeholder 2">
+              <a:t>Quick and Accurate Diagnosis and Treatment</a:t>
+            </a:r>
+          </a:p>
+        </p:txBody>
+      </p:sp>
+      <p:pic>
+        <p:nvPicPr>
+          <p:cNvPr id="6" name="Picture 5">
             <a:extLst>
               <a:ext uri="{FF2B5EF4-FFF2-40B4-BE49-F238E27FC236}">
-                <a16:creationId xmlns:a16="http://schemas.microsoft.com/office/drawing/2014/main" id="{F896EBB3-5BEA-499A-AAA6-22BD08BECEDD}"/>
+                <a16:creationId xmlns:a16="http://schemas.microsoft.com/office/drawing/2014/main" id="{4C7F297F-A8AD-4FC0-879F-4E1A096B158D}"/>
               </a:ext>
             </a:extLst>
           </p:cNvPr>
-          <p:cNvSpPr>
-            <a:spLocks noGrp="1"/>
-          </p:cNvSpPr>
-          <p:nvPr>
-            <p:ph idx="1"/>
-          </p:nvPr>
-        </p:nvSpPr>
-        <p:spPr/>
-        <p:txBody>
-          <a:bodyPr>
-            <a:normAutofit/>
-          </a:bodyPr>
-          <a:lstStyle/>
-          <a:p>
-            <a:r>
-              <a:rPr lang="en-GB" sz="2400" dirty="0"/>
-              <a:t> Easier to update information systems</a:t>
-            </a:r>
-          </a:p>
-          <a:p>
-            <a:endParaRPr lang="en-GB" sz="2400" dirty="0"/>
-          </a:p>
-          <a:p>
-            <a:r>
-              <a:rPr lang="en-GB" sz="2400" dirty="0"/>
-              <a:t>More information can be made portable</a:t>
-            </a:r>
-          </a:p>
-          <a:p>
-            <a:endParaRPr lang="en-GB" sz="2400" dirty="0"/>
-          </a:p>
-          <a:p>
-            <a:r>
-              <a:rPr lang="en-GB" sz="2400" dirty="0"/>
-              <a:t>Bridging the generation gap of younger volunteers </a:t>
-            </a:r>
-          </a:p>
-        </p:txBody>
-      </p:sp>
+          <p:cNvPicPr>
+            <a:picLocks noChangeAspect="1"/>
+          </p:cNvPicPr>
+          <p:nvPr/>
+        </p:nvPicPr>
+        <p:blipFill>
+          <a:blip r:embed="rId3"/>
+          <a:stretch>
+            <a:fillRect/>
+          </a:stretch>
+        </p:blipFill>
+        <p:spPr>
+          <a:xfrm>
+            <a:off x="663437" y="1280890"/>
+            <a:ext cx="5048250" cy="2143125"/>
+          </a:xfrm>
+          <a:prstGeom prst="rect">
+            <a:avLst/>
+          </a:prstGeom>
+        </p:spPr>
+      </p:pic>
+      <p:pic>
+        <p:nvPicPr>
+          <p:cNvPr id="7" name="Picture 6">
+            <a:extLst>
+              <a:ext uri="{FF2B5EF4-FFF2-40B4-BE49-F238E27FC236}">
+                <a16:creationId xmlns:a16="http://schemas.microsoft.com/office/drawing/2014/main" id="{7C7A578D-2B7A-47E0-AA1D-51FA7FF06E22}"/>
+              </a:ext>
+            </a:extLst>
+          </p:cNvPr>
+          <p:cNvPicPr>
+            <a:picLocks noChangeAspect="1"/>
+          </p:cNvPicPr>
+          <p:nvPr/>
+        </p:nvPicPr>
+        <p:blipFill>
+          <a:blip r:embed="rId4"/>
+          <a:stretch>
+            <a:fillRect/>
+          </a:stretch>
+        </p:blipFill>
+        <p:spPr>
+          <a:xfrm>
+            <a:off x="6554028" y="1280890"/>
+            <a:ext cx="4914900" cy="2162175"/>
+          </a:xfrm>
+          <a:prstGeom prst="rect">
+            <a:avLst/>
+          </a:prstGeom>
+        </p:spPr>
+      </p:pic>
+      <p:pic>
+        <p:nvPicPr>
+          <p:cNvPr id="8" name="Picture 7">
+            <a:extLst>
+              <a:ext uri="{FF2B5EF4-FFF2-40B4-BE49-F238E27FC236}">
+                <a16:creationId xmlns:a16="http://schemas.microsoft.com/office/drawing/2014/main" id="{A5CEA42E-80EA-48D0-9B05-0ADD44A6431A}"/>
+              </a:ext>
+            </a:extLst>
+          </p:cNvPr>
+          <p:cNvPicPr>
+            <a:picLocks noChangeAspect="1"/>
+          </p:cNvPicPr>
+          <p:nvPr/>
+        </p:nvPicPr>
+        <p:blipFill>
+          <a:blip r:embed="rId5"/>
+          <a:stretch>
+            <a:fillRect/>
+          </a:stretch>
+        </p:blipFill>
+        <p:spPr>
+          <a:xfrm>
+            <a:off x="3216137" y="3921815"/>
+            <a:ext cx="4991100" cy="2247900"/>
+          </a:xfrm>
+          <a:prstGeom prst="rect">
+            <a:avLst/>
+          </a:prstGeom>
+        </p:spPr>
+      </p:pic>
     </p:spTree>
     <p:extLst>
       <p:ext uri="{BB962C8B-B14F-4D97-AF65-F5344CB8AC3E}">
-        <p14:creationId xmlns:p14="http://schemas.microsoft.com/office/powerpoint/2010/main" val="2858417787"/>
+        <p14:creationId xmlns:p14="http://schemas.microsoft.com/office/powerpoint/2010/main" val="2604862276"/>
       </p:ext>
     </p:extLst>
   </p:cSld>
@@ -8471,7 +8527,7 @@
           <p:cNvPr id="2" name="Title 1">
             <a:extLst>
               <a:ext uri="{FF2B5EF4-FFF2-40B4-BE49-F238E27FC236}">
-                <a16:creationId xmlns:a16="http://schemas.microsoft.com/office/drawing/2014/main" id="{9A14AECF-B423-49B2-8ADA-FB40A8BEA460}"/>
+                <a16:creationId xmlns:a16="http://schemas.microsoft.com/office/drawing/2014/main" id="{0ED093A2-562C-4C50-9EA7-A088C7BDCC69}"/>
               </a:ext>
             </a:extLst>
           </p:cNvPr>
@@ -8489,69 +8545,45 @@
           <a:p>
             <a:r>
               <a:rPr lang="en-GB" dirty="0"/>
-              <a:t>Quick and Accurate Diagnosis and Treatment</a:t>
-            </a:r>
-          </a:p>
-        </p:txBody>
-      </p:sp>
-      <p:sp>
-        <p:nvSpPr>
-          <p:cNvPr id="3" name="Content Placeholder 2">
+              <a:t>Real-life application </a:t>
+            </a:r>
+          </a:p>
+        </p:txBody>
+      </p:sp>
+      <p:pic>
+        <p:nvPicPr>
+          <p:cNvPr id="5" name="Picture 4">
             <a:extLst>
               <a:ext uri="{FF2B5EF4-FFF2-40B4-BE49-F238E27FC236}">
-                <a16:creationId xmlns:a16="http://schemas.microsoft.com/office/drawing/2014/main" id="{92B138E3-59FD-4247-A4FA-5A8430CC9408}"/>
+                <a16:creationId xmlns:a16="http://schemas.microsoft.com/office/drawing/2014/main" id="{B4BB2ECE-3755-49BE-964A-18F3AFC6EFF6}"/>
               </a:ext>
             </a:extLst>
           </p:cNvPr>
-          <p:cNvSpPr>
-            <a:spLocks noGrp="1"/>
-          </p:cNvSpPr>
-          <p:nvPr>
-            <p:ph idx="1"/>
-          </p:nvPr>
-        </p:nvSpPr>
-        <p:spPr/>
-        <p:txBody>
-          <a:bodyPr>
-            <a:normAutofit/>
-          </a:bodyPr>
-          <a:lstStyle/>
-          <a:p>
-            <a:r>
-              <a:rPr lang="en-GB" sz="2400" dirty="0"/>
-              <a:t>Decision tree to take the user to the correct pages as quick as possible</a:t>
-            </a:r>
-          </a:p>
-          <a:p>
-            <a:endParaRPr lang="en-GB" sz="2400" dirty="0"/>
-          </a:p>
-          <a:p>
-            <a:r>
-              <a:rPr lang="en-GB" sz="2400" dirty="0"/>
-              <a:t>Option to explore pages in further detail if needed </a:t>
-            </a:r>
-          </a:p>
-          <a:p>
-            <a:endParaRPr lang="en-GB" sz="2400" dirty="0"/>
-          </a:p>
-          <a:p>
-            <a:r>
-              <a:rPr lang="en-GB" sz="2400" dirty="0"/>
-              <a:t>Aimed at the “Good Health” global goal</a:t>
-            </a:r>
-          </a:p>
-          <a:p>
-            <a:endParaRPr lang="en-GB" sz="2400" dirty="0"/>
-          </a:p>
-          <a:p>
-            <a:endParaRPr lang="en-GB" sz="2400" dirty="0"/>
-          </a:p>
-        </p:txBody>
-      </p:sp>
+          <p:cNvPicPr>
+            <a:picLocks noChangeAspect="1"/>
+          </p:cNvPicPr>
+          <p:nvPr/>
+        </p:nvPicPr>
+        <p:blipFill>
+          <a:blip r:embed="rId2"/>
+          <a:stretch>
+            <a:fillRect/>
+          </a:stretch>
+        </p:blipFill>
+        <p:spPr>
+          <a:xfrm>
+            <a:off x="3264944" y="1905000"/>
+            <a:ext cx="6363149" cy="4263310"/>
+          </a:xfrm>
+          <a:prstGeom prst="rect">
+            <a:avLst/>
+          </a:prstGeom>
+        </p:spPr>
+      </p:pic>
     </p:spTree>
     <p:extLst>
       <p:ext uri="{BB962C8B-B14F-4D97-AF65-F5344CB8AC3E}">
-        <p14:creationId xmlns:p14="http://schemas.microsoft.com/office/powerpoint/2010/main" val="2604862276"/>
+        <p14:creationId xmlns:p14="http://schemas.microsoft.com/office/powerpoint/2010/main" val="3932736748"/>
       </p:ext>
     </p:extLst>
   </p:cSld>
@@ -8583,7 +8615,7 @@
           <p:cNvPr id="2" name="Title 1">
             <a:extLst>
               <a:ext uri="{FF2B5EF4-FFF2-40B4-BE49-F238E27FC236}">
-                <a16:creationId xmlns:a16="http://schemas.microsoft.com/office/drawing/2014/main" id="{E90A4D60-A68C-45A2-ADCB-EDDE7E6A9BC8}"/>
+                <a16:creationId xmlns:a16="http://schemas.microsoft.com/office/drawing/2014/main" id="{5C131BCF-6F54-44DF-9C6F-392F0CE5B60D}"/>
               </a:ext>
             </a:extLst>
           </p:cNvPr>
@@ -8601,54 +8633,75 @@
           <a:p>
             <a:r>
               <a:rPr lang="en-GB" dirty="0"/>
-              <a:t>Prompting when needed during treatment and care</a:t>
-            </a:r>
-          </a:p>
-        </p:txBody>
-      </p:sp>
-      <p:sp>
-        <p:nvSpPr>
-          <p:cNvPr id="3" name="Content Placeholder 2">
+              <a:t>Updating made easier</a:t>
+            </a:r>
+          </a:p>
+        </p:txBody>
+      </p:sp>
+      <p:pic>
+        <p:nvPicPr>
+          <p:cNvPr id="6" name="Picture 5">
             <a:extLst>
               <a:ext uri="{FF2B5EF4-FFF2-40B4-BE49-F238E27FC236}">
-                <a16:creationId xmlns:a16="http://schemas.microsoft.com/office/drawing/2014/main" id="{3B1673D3-5839-478D-9390-5BFB0791FCE5}"/>
+                <a16:creationId xmlns:a16="http://schemas.microsoft.com/office/drawing/2014/main" id="{48E696EB-2897-451A-A6A6-34D42E834AD7}"/>
               </a:ext>
             </a:extLst>
           </p:cNvPr>
-          <p:cNvSpPr>
-            <a:spLocks noGrp="1"/>
-          </p:cNvSpPr>
-          <p:nvPr>
-            <p:ph idx="1"/>
-          </p:nvPr>
-        </p:nvSpPr>
-        <p:spPr/>
-        <p:txBody>
-          <a:bodyPr>
-            <a:normAutofit/>
-          </a:bodyPr>
-          <a:lstStyle/>
-          <a:p>
-            <a:r>
-              <a:rPr lang="en-GB" sz="2400" dirty="0"/>
-              <a:t>Dictionary available if volunteers or users need help during treatment</a:t>
-            </a:r>
-          </a:p>
-          <a:p>
-            <a:endParaRPr lang="en-GB" sz="2400" dirty="0"/>
-          </a:p>
-          <a:p>
-            <a:r>
-              <a:rPr lang="en-GB" sz="2400" dirty="0"/>
-              <a:t>Decision tree implemented within application in attempt to get user the correct information</a:t>
-            </a:r>
-          </a:p>
-        </p:txBody>
-      </p:sp>
+          <p:cNvPicPr>
+            <a:picLocks noChangeAspect="1"/>
+          </p:cNvPicPr>
+          <p:nvPr/>
+        </p:nvPicPr>
+        <p:blipFill>
+          <a:blip r:embed="rId2"/>
+          <a:stretch>
+            <a:fillRect/>
+          </a:stretch>
+        </p:blipFill>
+        <p:spPr>
+          <a:xfrm>
+            <a:off x="2332661" y="1756093"/>
+            <a:ext cx="8364339" cy="1547531"/>
+          </a:xfrm>
+          <a:prstGeom prst="rect">
+            <a:avLst/>
+          </a:prstGeom>
+        </p:spPr>
+      </p:pic>
+      <p:pic>
+        <p:nvPicPr>
+          <p:cNvPr id="7" name="Picture 6">
+            <a:extLst>
+              <a:ext uri="{FF2B5EF4-FFF2-40B4-BE49-F238E27FC236}">
+                <a16:creationId xmlns:a16="http://schemas.microsoft.com/office/drawing/2014/main" id="{4EC6CCBC-6565-416B-87B3-CECDBCE0E87B}"/>
+              </a:ext>
+            </a:extLst>
+          </p:cNvPr>
+          <p:cNvPicPr>
+            <a:picLocks noChangeAspect="1"/>
+          </p:cNvPicPr>
+          <p:nvPr/>
+        </p:nvPicPr>
+        <p:blipFill>
+          <a:blip r:embed="rId3"/>
+          <a:stretch>
+            <a:fillRect/>
+          </a:stretch>
+        </p:blipFill>
+        <p:spPr>
+          <a:xfrm>
+            <a:off x="4851250" y="3773988"/>
+            <a:ext cx="3048821" cy="1540290"/>
+          </a:xfrm>
+          <a:prstGeom prst="rect">
+            <a:avLst/>
+          </a:prstGeom>
+        </p:spPr>
+      </p:pic>
     </p:spTree>
     <p:extLst>
       <p:ext uri="{BB962C8B-B14F-4D97-AF65-F5344CB8AC3E}">
-        <p14:creationId xmlns:p14="http://schemas.microsoft.com/office/powerpoint/2010/main" val="3862013566"/>
+        <p14:creationId xmlns:p14="http://schemas.microsoft.com/office/powerpoint/2010/main" val="666592744"/>
       </p:ext>
     </p:extLst>
   </p:cSld>
@@ -8680,7 +8733,7 @@
           <p:cNvPr id="2" name="Title 1">
             <a:extLst>
               <a:ext uri="{FF2B5EF4-FFF2-40B4-BE49-F238E27FC236}">
-                <a16:creationId xmlns:a16="http://schemas.microsoft.com/office/drawing/2014/main" id="{5C131BCF-6F54-44DF-9C6F-392F0CE5B60D}"/>
+                <a16:creationId xmlns:a16="http://schemas.microsoft.com/office/drawing/2014/main" id="{7055E23E-EDC7-4371-9A84-23C51D52ABC5}"/>
               </a:ext>
             </a:extLst>
           </p:cNvPr>
@@ -8698,54 +8751,75 @@
           <a:p>
             <a:r>
               <a:rPr lang="en-GB" dirty="0"/>
-              <a:t>Updating made easier</a:t>
-            </a:r>
-          </a:p>
-        </p:txBody>
-      </p:sp>
-      <p:sp>
-        <p:nvSpPr>
-          <p:cNvPr id="3" name="Content Placeholder 2">
+              <a:t>Environmental factors considered</a:t>
+            </a:r>
+          </a:p>
+        </p:txBody>
+      </p:sp>
+      <p:pic>
+        <p:nvPicPr>
+          <p:cNvPr id="6" name="Picture 5">
             <a:extLst>
               <a:ext uri="{FF2B5EF4-FFF2-40B4-BE49-F238E27FC236}">
-                <a16:creationId xmlns:a16="http://schemas.microsoft.com/office/drawing/2014/main" id="{7B51554B-1416-44D4-B3F9-85E9614CE3C6}"/>
+                <a16:creationId xmlns:a16="http://schemas.microsoft.com/office/drawing/2014/main" id="{1764C413-3A58-435B-A4AC-77149DFA5292}"/>
               </a:ext>
             </a:extLst>
           </p:cNvPr>
-          <p:cNvSpPr>
-            <a:spLocks noGrp="1"/>
-          </p:cNvSpPr>
-          <p:nvPr>
-            <p:ph idx="1"/>
-          </p:nvPr>
-        </p:nvSpPr>
-        <p:spPr/>
-        <p:txBody>
-          <a:bodyPr>
-            <a:normAutofit/>
-          </a:bodyPr>
-          <a:lstStyle/>
-          <a:p>
-            <a:r>
-              <a:rPr lang="en-GB" sz="2400" dirty="0"/>
-              <a:t>Link to external server so admins can edit the content of the application remotely through text files </a:t>
-            </a:r>
-          </a:p>
-          <a:p>
-            <a:endParaRPr lang="en-GB" sz="2400" dirty="0"/>
-          </a:p>
-          <a:p>
-            <a:r>
-              <a:rPr lang="en-GB" sz="2400" dirty="0"/>
-              <a:t>Less hassle than re-distributing paper handbooks</a:t>
-            </a:r>
-          </a:p>
-        </p:txBody>
-      </p:sp>
+          <p:cNvPicPr>
+            <a:picLocks noChangeAspect="1"/>
+          </p:cNvPicPr>
+          <p:nvPr/>
+        </p:nvPicPr>
+        <p:blipFill>
+          <a:blip r:embed="rId2"/>
+          <a:stretch>
+            <a:fillRect/>
+          </a:stretch>
+        </p:blipFill>
+        <p:spPr>
+          <a:xfrm>
+            <a:off x="2382706" y="1905000"/>
+            <a:ext cx="6438900" cy="3705225"/>
+          </a:xfrm>
+          <a:prstGeom prst="rect">
+            <a:avLst/>
+          </a:prstGeom>
+        </p:spPr>
+      </p:pic>
+      <p:pic>
+        <p:nvPicPr>
+          <p:cNvPr id="7" name="Picture 6">
+            <a:extLst>
+              <a:ext uri="{FF2B5EF4-FFF2-40B4-BE49-F238E27FC236}">
+                <a16:creationId xmlns:a16="http://schemas.microsoft.com/office/drawing/2014/main" id="{6D99A9A5-65D2-42DC-8249-1885888690F5}"/>
+              </a:ext>
+            </a:extLst>
+          </p:cNvPr>
+          <p:cNvPicPr>
+            <a:picLocks noChangeAspect="1"/>
+          </p:cNvPicPr>
+          <p:nvPr/>
+        </p:nvPicPr>
+        <p:blipFill>
+          <a:blip r:embed="rId3"/>
+          <a:stretch>
+            <a:fillRect/>
+          </a:stretch>
+        </p:blipFill>
+        <p:spPr>
+          <a:xfrm>
+            <a:off x="9198123" y="3478751"/>
+            <a:ext cx="1307411" cy="382657"/>
+          </a:xfrm>
+          <a:prstGeom prst="rect">
+            <a:avLst/>
+          </a:prstGeom>
+        </p:spPr>
+      </p:pic>
     </p:spTree>
     <p:extLst>
       <p:ext uri="{BB962C8B-B14F-4D97-AF65-F5344CB8AC3E}">
-        <p14:creationId xmlns:p14="http://schemas.microsoft.com/office/powerpoint/2010/main" val="666592744"/>
+        <p14:creationId xmlns:p14="http://schemas.microsoft.com/office/powerpoint/2010/main" val="1487026787"/>
       </p:ext>
     </p:extLst>
   </p:cSld>
@@ -8777,7 +8851,7 @@
           <p:cNvPr id="2" name="Title 1">
             <a:extLst>
               <a:ext uri="{FF2B5EF4-FFF2-40B4-BE49-F238E27FC236}">
-                <a16:creationId xmlns:a16="http://schemas.microsoft.com/office/drawing/2014/main" id="{7055E23E-EDC7-4371-9A84-23C51D52ABC5}"/>
+                <a16:creationId xmlns:a16="http://schemas.microsoft.com/office/drawing/2014/main" id="{AC2A6EA3-A180-4551-ABA0-02AFCF7C3EE9}"/>
               </a:ext>
             </a:extLst>
           </p:cNvPr>
@@ -8795,7 +8869,7 @@
           <a:p>
             <a:r>
               <a:rPr lang="en-GB" dirty="0"/>
-              <a:t>Environmental factors considered</a:t>
+              <a:t>Developments for the future </a:t>
             </a:r>
           </a:p>
         </p:txBody>
@@ -8805,7 +8879,7 @@
           <p:cNvPr id="3" name="Content Placeholder 2">
             <a:extLst>
               <a:ext uri="{FF2B5EF4-FFF2-40B4-BE49-F238E27FC236}">
-                <a16:creationId xmlns:a16="http://schemas.microsoft.com/office/drawing/2014/main" id="{63FAB789-DB86-44C0-B1FD-458DCD439DC4}"/>
+                <a16:creationId xmlns:a16="http://schemas.microsoft.com/office/drawing/2014/main" id="{6F5E1CBD-3E00-42A3-ABAC-42229F0C8EEA}"/>
               </a:ext>
             </a:extLst>
           </p:cNvPr>
@@ -8816,250 +8890,127 @@
             <p:ph idx="1"/>
           </p:nvPr>
         </p:nvSpPr>
-        <p:spPr/>
+        <p:spPr>
+          <a:xfrm>
+            <a:off x="2589212" y="1478130"/>
+            <a:ext cx="8915400" cy="3497950"/>
+          </a:xfrm>
+        </p:spPr>
         <p:txBody>
           <a:bodyPr>
-            <a:normAutofit/>
+            <a:normAutofit fontScale="92500" lnSpcReduction="20000"/>
           </a:bodyPr>
           <a:lstStyle/>
           <a:p>
             <a:r>
-              <a:rPr lang="en-GB" sz="2400" dirty="0"/>
-              <a:t>Loud environment, implementation of vibration notifications</a:t>
-            </a:r>
-          </a:p>
-          <a:p>
-            <a:endParaRPr lang="en-GB" sz="2400" dirty="0"/>
-          </a:p>
-          <a:p>
-            <a:r>
-              <a:rPr lang="en-GB" sz="2400" dirty="0"/>
-              <a:t>Large, simple buttons that can be used in a high stress environment</a:t>
-            </a:r>
-          </a:p>
-          <a:p>
-            <a:endParaRPr lang="en-GB" sz="2400" dirty="0"/>
-          </a:p>
-        </p:txBody>
-      </p:sp>
+              <a:rPr lang="en-GB" sz="2000" dirty="0"/>
+              <a:t>Further development into specialist hand held devices created and issued for the RNLI</a:t>
+            </a:r>
+          </a:p>
+          <a:p>
+            <a:r>
+              <a:rPr lang="en-GB" sz="2000" dirty="0"/>
+              <a:t>Dictionary expansions for potential diagnoses and their treatments</a:t>
+            </a:r>
+          </a:p>
+          <a:p>
+            <a:r>
+              <a:rPr lang="en-GB" sz="2000" dirty="0"/>
+              <a:t>Implementation of role based access control to certain app features i.e. if the application was to be released to the public in contrast to RNLI personnel use</a:t>
+            </a:r>
+          </a:p>
+          <a:p>
+            <a:r>
+              <a:rPr lang="en-GB" sz="2000" dirty="0"/>
+              <a:t>Implementation of patient records database linked to application</a:t>
+            </a:r>
+          </a:p>
+          <a:p>
+            <a:r>
+              <a:rPr lang="en-GB" sz="2000" dirty="0"/>
+              <a:t>Hardware</a:t>
+            </a:r>
+          </a:p>
+          <a:p>
+            <a:pPr lvl="1"/>
+            <a:r>
+              <a:rPr lang="en-GB" sz="1800" dirty="0"/>
+              <a:t>Water Resistance IP68</a:t>
+            </a:r>
+          </a:p>
+          <a:p>
+            <a:pPr lvl="1"/>
+            <a:r>
+              <a:rPr lang="en-GB" sz="1800" dirty="0"/>
+              <a:t>Infinity Display + Radio</a:t>
+            </a:r>
+          </a:p>
+          <a:p>
+            <a:pPr lvl="1"/>
+            <a:r>
+              <a:rPr lang="en-GB" sz="1800" dirty="0"/>
+              <a:t>Rugged  </a:t>
+            </a:r>
+          </a:p>
+          <a:p>
+            <a:endParaRPr lang="en-GB" sz="2000" dirty="0"/>
+          </a:p>
+          <a:p>
+            <a:endParaRPr lang="en-GB" sz="2000" dirty="0"/>
+          </a:p>
+        </p:txBody>
+      </p:sp>
+      <p:pic>
+        <p:nvPicPr>
+          <p:cNvPr id="1026" name="Picture 2" descr="Image result for alice and bob public key cryptography">
+            <a:extLst>
+              <a:ext uri="{FF2B5EF4-FFF2-40B4-BE49-F238E27FC236}">
+                <a16:creationId xmlns:a16="http://schemas.microsoft.com/office/drawing/2014/main" id="{31124CF0-FCA5-4C81-9DFC-4245245F8EDC}"/>
+              </a:ext>
+            </a:extLst>
+          </p:cNvPr>
+          <p:cNvPicPr>
+            <a:picLocks noChangeAspect="1" noChangeArrowheads="1"/>
+          </p:cNvPicPr>
+          <p:nvPr/>
+        </p:nvPicPr>
+        <p:blipFill>
+          <a:blip r:embed="rId2">
+            <a:extLst>
+              <a:ext uri="{28A0092B-C50C-407E-A947-70E740481C1C}">
+                <a14:useLocalDpi xmlns:a14="http://schemas.microsoft.com/office/drawing/2010/main" val="0"/>
+              </a:ext>
+            </a:extLst>
+          </a:blip>
+          <a:srcRect/>
+          <a:stretch>
+            <a:fillRect/>
+          </a:stretch>
+        </p:blipFill>
+        <p:spPr bwMode="auto">
+          <a:xfrm>
+            <a:off x="6273316" y="3900316"/>
+            <a:ext cx="5231296" cy="2354083"/>
+          </a:xfrm>
+          <a:prstGeom prst="rect">
+            <a:avLst/>
+          </a:prstGeom>
+          <a:noFill/>
+          <a:extLst>
+            <a:ext uri="{909E8E84-426E-40DD-AFC4-6F175D3DCCD1}">
+              <a14:hiddenFill xmlns:a14="http://schemas.microsoft.com/office/drawing/2010/main">
+                <a:solidFill>
+                  <a:srgbClr val="FFFFFF"/>
+                </a:solidFill>
+              </a14:hiddenFill>
+            </a:ext>
+          </a:extLst>
+        </p:spPr>
+      </p:pic>
     </p:spTree>
     <p:extLst>
       <p:ext uri="{BB962C8B-B14F-4D97-AF65-F5344CB8AC3E}">
-        <p14:creationId xmlns:p14="http://schemas.microsoft.com/office/powerpoint/2010/main" val="1487026787"/>
-      </p:ext>
-    </p:extLst>
-  </p:cSld>
-  <p:clrMapOvr>
-    <a:masterClrMapping/>
-  </p:clrMapOvr>
-</p:sld>
-</file>
-
-<file path=ppt/slides/slide8.xml><?xml version="1.0" encoding="utf-8"?>
-<p:sld xmlns:a="http://schemas.openxmlformats.org/drawingml/2006/main" xmlns:r="http://schemas.openxmlformats.org/officeDocument/2006/relationships" xmlns:p="http://schemas.openxmlformats.org/presentationml/2006/main">
-  <p:cSld>
-    <p:spTree>
-      <p:nvGrpSpPr>
-        <p:cNvPr id="1" name=""/>
-        <p:cNvGrpSpPr/>
-        <p:nvPr/>
-      </p:nvGrpSpPr>
-      <p:grpSpPr>
-        <a:xfrm>
-          <a:off x="0" y="0"/>
-          <a:ext cx="0" cy="0"/>
-          <a:chOff x="0" y="0"/>
-          <a:chExt cx="0" cy="0"/>
-        </a:xfrm>
-      </p:grpSpPr>
-      <p:sp>
-        <p:nvSpPr>
-          <p:cNvPr id="2" name="Title 1">
-            <a:extLst>
-              <a:ext uri="{FF2B5EF4-FFF2-40B4-BE49-F238E27FC236}">
-                <a16:creationId xmlns:a16="http://schemas.microsoft.com/office/drawing/2014/main" id="{E1063700-2D4B-4F80-8F15-AAAC4E2963E2}"/>
-              </a:ext>
-            </a:extLst>
-          </p:cNvPr>
-          <p:cNvSpPr>
-            <a:spLocks noGrp="1"/>
-          </p:cNvSpPr>
-          <p:nvPr>
-            <p:ph type="title"/>
-          </p:nvPr>
-        </p:nvSpPr>
-        <p:spPr/>
-        <p:txBody>
-          <a:bodyPr/>
-          <a:lstStyle/>
-          <a:p>
-            <a:r>
-              <a:rPr lang="en-GB" dirty="0"/>
-              <a:t>Accessibility to all users </a:t>
-            </a:r>
-          </a:p>
-        </p:txBody>
-      </p:sp>
-      <p:sp>
-        <p:nvSpPr>
-          <p:cNvPr id="3" name="Content Placeholder 2">
-            <a:extLst>
-              <a:ext uri="{FF2B5EF4-FFF2-40B4-BE49-F238E27FC236}">
-                <a16:creationId xmlns:a16="http://schemas.microsoft.com/office/drawing/2014/main" id="{8D9E598C-9F3B-4443-A7F0-9AE76867E236}"/>
-              </a:ext>
-            </a:extLst>
-          </p:cNvPr>
-          <p:cNvSpPr>
-            <a:spLocks noGrp="1"/>
-          </p:cNvSpPr>
-          <p:nvPr>
-            <p:ph idx="1"/>
-          </p:nvPr>
-        </p:nvSpPr>
-        <p:spPr/>
-        <p:txBody>
-          <a:bodyPr>
-            <a:normAutofit/>
-          </a:bodyPr>
-          <a:lstStyle/>
-          <a:p>
-            <a:r>
-              <a:rPr lang="en-GB" sz="2400" dirty="0"/>
-              <a:t>Vibration notifications</a:t>
-            </a:r>
-          </a:p>
-          <a:p>
-            <a:endParaRPr lang="en-GB" sz="2400" dirty="0"/>
-          </a:p>
-          <a:p>
-            <a:r>
-              <a:rPr lang="en-GB" sz="2400" dirty="0"/>
-              <a:t>Web application </a:t>
-            </a:r>
-            <a:r>
-              <a:rPr lang="en-GB" sz="2400" dirty="0" err="1"/>
-              <a:t>oppurtunities</a:t>
-            </a:r>
-            <a:r>
-              <a:rPr lang="en-GB" sz="2400" dirty="0"/>
-              <a:t> (e.g. screen readers and zooming in/out)</a:t>
-            </a:r>
-          </a:p>
-          <a:p>
-            <a:endParaRPr lang="en-GB" sz="2400" dirty="0"/>
-          </a:p>
-        </p:txBody>
-      </p:sp>
-    </p:spTree>
-    <p:extLst>
-      <p:ext uri="{BB962C8B-B14F-4D97-AF65-F5344CB8AC3E}">
-        <p14:creationId xmlns:p14="http://schemas.microsoft.com/office/powerpoint/2010/main" val="1975618014"/>
-      </p:ext>
-    </p:extLst>
-  </p:cSld>
-  <p:clrMapOvr>
-    <a:masterClrMapping/>
-  </p:clrMapOvr>
-</p:sld>
-</file>
-
-<file path=ppt/slides/slide9.xml><?xml version="1.0" encoding="utf-8"?>
-<p:sld xmlns:a="http://schemas.openxmlformats.org/drawingml/2006/main" xmlns:r="http://schemas.openxmlformats.org/officeDocument/2006/relationships" xmlns:p="http://schemas.openxmlformats.org/presentationml/2006/main">
-  <p:cSld>
-    <p:spTree>
-      <p:nvGrpSpPr>
-        <p:cNvPr id="1" name=""/>
-        <p:cNvGrpSpPr/>
-        <p:nvPr/>
-      </p:nvGrpSpPr>
-      <p:grpSpPr>
-        <a:xfrm>
-          <a:off x="0" y="0"/>
-          <a:ext cx="0" cy="0"/>
-          <a:chOff x="0" y="0"/>
-          <a:chExt cx="0" cy="0"/>
-        </a:xfrm>
-      </p:grpSpPr>
-      <p:sp>
-        <p:nvSpPr>
-          <p:cNvPr id="2" name="Title 1">
-            <a:extLst>
-              <a:ext uri="{FF2B5EF4-FFF2-40B4-BE49-F238E27FC236}">
-                <a16:creationId xmlns:a16="http://schemas.microsoft.com/office/drawing/2014/main" id="{2D03F6F4-A8C7-4918-8F1C-97659A8AD922}"/>
-              </a:ext>
-            </a:extLst>
-          </p:cNvPr>
-          <p:cNvSpPr>
-            <a:spLocks noGrp="1"/>
-          </p:cNvSpPr>
-          <p:nvPr>
-            <p:ph type="title"/>
-          </p:nvPr>
-        </p:nvSpPr>
-        <p:spPr/>
-        <p:txBody>
-          <a:bodyPr/>
-          <a:lstStyle/>
-          <a:p>
-            <a:r>
-              <a:rPr lang="en-GB" dirty="0"/>
-              <a:t>Response tiers and user privileges of the application </a:t>
-            </a:r>
-          </a:p>
-        </p:txBody>
-      </p:sp>
-      <p:sp>
-        <p:nvSpPr>
-          <p:cNvPr id="3" name="Content Placeholder 2">
-            <a:extLst>
-              <a:ext uri="{FF2B5EF4-FFF2-40B4-BE49-F238E27FC236}">
-                <a16:creationId xmlns:a16="http://schemas.microsoft.com/office/drawing/2014/main" id="{FCC2BDFE-9FA4-4E56-94F5-73E9DF5367F9}"/>
-              </a:ext>
-            </a:extLst>
-          </p:cNvPr>
-          <p:cNvSpPr>
-            <a:spLocks noGrp="1"/>
-          </p:cNvSpPr>
-          <p:nvPr>
-            <p:ph idx="1"/>
-          </p:nvPr>
-        </p:nvSpPr>
-        <p:spPr/>
-        <p:txBody>
-          <a:bodyPr>
-            <a:normAutofit/>
-          </a:bodyPr>
-          <a:lstStyle/>
-          <a:p>
-            <a:r>
-              <a:rPr lang="en-GB" sz="2400" dirty="0"/>
-              <a:t> Expansion to the public market</a:t>
-            </a:r>
-          </a:p>
-          <a:p>
-            <a:pPr lvl="1"/>
-            <a:r>
-              <a:rPr lang="en-GB" sz="2000" dirty="0"/>
-              <a:t>Differ between public users and RNLI personnel </a:t>
-            </a:r>
-          </a:p>
-          <a:p>
-            <a:pPr lvl="1"/>
-            <a:r>
-              <a:rPr lang="en-GB" sz="2000" dirty="0"/>
-              <a:t>Additional features only available to RNLI personnel </a:t>
-            </a:r>
-          </a:p>
-          <a:p>
-            <a:pPr lvl="1"/>
-            <a:endParaRPr lang="en-GB" sz="2000" dirty="0"/>
-          </a:p>
-        </p:txBody>
-      </p:sp>
-    </p:spTree>
-    <p:extLst>
-      <p:ext uri="{BB962C8B-B14F-4D97-AF65-F5344CB8AC3E}">
-        <p14:creationId xmlns:p14="http://schemas.microsoft.com/office/powerpoint/2010/main" val="528003991"/>
+        <p14:creationId xmlns:p14="http://schemas.microsoft.com/office/powerpoint/2010/main" val="2045969105"/>
       </p:ext>
     </p:extLst>
   </p:cSld>
@@ -9310,4 +9261,299 @@
     </a:ext>
   </a:extLst>
 </a:theme>
+</file>
+
+<file path=ppt/theme/theme2.xml><?xml version="1.0" encoding="utf-8"?>
+<a:theme xmlns:a="http://schemas.openxmlformats.org/drawingml/2006/main" name="Office Theme">
+  <a:themeElements>
+    <a:clrScheme name="Office">
+      <a:dk1>
+        <a:sysClr val="windowText" lastClr="000000"/>
+      </a:dk1>
+      <a:lt1>
+        <a:sysClr val="window" lastClr="FFFFFF"/>
+      </a:lt1>
+      <a:dk2>
+        <a:srgbClr val="44546A"/>
+      </a:dk2>
+      <a:lt2>
+        <a:srgbClr val="E7E6E6"/>
+      </a:lt2>
+      <a:accent1>
+        <a:srgbClr val="4472C4"/>
+      </a:accent1>
+      <a:accent2>
+        <a:srgbClr val="ED7D31"/>
+      </a:accent2>
+      <a:accent3>
+        <a:srgbClr val="A5A5A5"/>
+      </a:accent3>
+      <a:accent4>
+        <a:srgbClr val="FFC000"/>
+      </a:accent4>
+      <a:accent5>
+        <a:srgbClr val="5B9BD5"/>
+      </a:accent5>
+      <a:accent6>
+        <a:srgbClr val="70AD47"/>
+      </a:accent6>
+      <a:hlink>
+        <a:srgbClr val="0563C1"/>
+      </a:hlink>
+      <a:folHlink>
+        <a:srgbClr val="954F72"/>
+      </a:folHlink>
+    </a:clrScheme>
+    <a:fontScheme name="Office">
+      <a:majorFont>
+        <a:latin typeface="Calibri Light" panose="020F0302020204030204"/>
+        <a:ea typeface=""/>
+        <a:cs typeface=""/>
+        <a:font script="Jpan" typeface="游ゴシック Light"/>
+        <a:font script="Hang" typeface="맑은 고딕"/>
+        <a:font script="Hans" typeface="等线 Light"/>
+        <a:font script="Hant" typeface="新細明體"/>
+        <a:font script="Arab" typeface="Times New Roman"/>
+        <a:font script="Hebr" typeface="Times New Roman"/>
+        <a:font script="Thai" typeface="Angsana New"/>
+        <a:font script="Ethi" typeface="Nyala"/>
+        <a:font script="Beng" typeface="Vrinda"/>
+        <a:font script="Gujr" typeface="Shruti"/>
+        <a:font script="Khmr" typeface="MoolBoran"/>
+        <a:font script="Knda" typeface="Tunga"/>
+        <a:font script="Guru" typeface="Raavi"/>
+        <a:font script="Cans" typeface="Euphemia"/>
+        <a:font script="Cher" typeface="Plantagenet Cherokee"/>
+        <a:font script="Yiii" typeface="Microsoft Yi Baiti"/>
+        <a:font script="Tibt" typeface="Microsoft Himalaya"/>
+        <a:font script="Thaa" typeface="MV Boli"/>
+        <a:font script="Deva" typeface="Mangal"/>
+        <a:font script="Telu" typeface="Gautami"/>
+        <a:font script="Taml" typeface="Latha"/>
+        <a:font script="Syrc" typeface="Estrangelo Edessa"/>
+        <a:font script="Orya" typeface="Kalinga"/>
+        <a:font script="Mlym" typeface="Kartika"/>
+        <a:font script="Laoo" typeface="DokChampa"/>
+        <a:font script="Sinh" typeface="Iskoola Pota"/>
+        <a:font script="Mong" typeface="Mongolian Baiti"/>
+        <a:font script="Viet" typeface="Times New Roman"/>
+        <a:font script="Uigh" typeface="Microsoft Uighur"/>
+        <a:font script="Geor" typeface="Sylfaen"/>
+        <a:font script="Armn" typeface="Arial"/>
+        <a:font script="Bugi" typeface="Leelawadee UI"/>
+        <a:font script="Bopo" typeface="Microsoft JhengHei"/>
+        <a:font script="Java" typeface="Javanese Text"/>
+        <a:font script="Lisu" typeface="Segoe UI"/>
+        <a:font script="Mymr" typeface="Myanmar Text"/>
+        <a:font script="Nkoo" typeface="Ebrima"/>
+        <a:font script="Olck" typeface="Nirmala UI"/>
+        <a:font script="Osma" typeface="Ebrima"/>
+        <a:font script="Phag" typeface="Phagspa"/>
+        <a:font script="Syrn" typeface="Estrangelo Edessa"/>
+        <a:font script="Syrj" typeface="Estrangelo Edessa"/>
+        <a:font script="Syre" typeface="Estrangelo Edessa"/>
+        <a:font script="Sora" typeface="Nirmala UI"/>
+        <a:font script="Tale" typeface="Microsoft Tai Le"/>
+        <a:font script="Talu" typeface="Microsoft New Tai Lue"/>
+        <a:font script="Tfng" typeface="Ebrima"/>
+      </a:majorFont>
+      <a:minorFont>
+        <a:latin typeface="Calibri" panose="020F0502020204030204"/>
+        <a:ea typeface=""/>
+        <a:cs typeface=""/>
+        <a:font script="Jpan" typeface="游ゴシック"/>
+        <a:font script="Hang" typeface="맑은 고딕"/>
+        <a:font script="Hans" typeface="等线"/>
+        <a:font script="Hant" typeface="新細明體"/>
+        <a:font script="Arab" typeface="Arial"/>
+        <a:font script="Hebr" typeface="Arial"/>
+        <a:font script="Thai" typeface="Cordia New"/>
+        <a:font script="Ethi" typeface="Nyala"/>
+        <a:font script="Beng" typeface="Vrinda"/>
+        <a:font script="Gujr" typeface="Shruti"/>
+        <a:font script="Khmr" typeface="DaunPenh"/>
+        <a:font script="Knda" typeface="Tunga"/>
+        <a:font script="Guru" typeface="Raavi"/>
+        <a:font script="Cans" typeface="Euphemia"/>
+        <a:font script="Cher" typeface="Plantagenet Cherokee"/>
+        <a:font script="Yiii" typeface="Microsoft Yi Baiti"/>
+        <a:font script="Tibt" typeface="Microsoft Himalaya"/>
+        <a:font script="Thaa" typeface="MV Boli"/>
+        <a:font script="Deva" typeface="Mangal"/>
+        <a:font script="Telu" typeface="Gautami"/>
+        <a:font script="Taml" typeface="Latha"/>
+        <a:font script="Syrc" typeface="Estrangelo Edessa"/>
+        <a:font script="Orya" typeface="Kalinga"/>
+        <a:font script="Mlym" typeface="Kartika"/>
+        <a:font script="Laoo" typeface="DokChampa"/>
+        <a:font script="Sinh" typeface="Iskoola Pota"/>
+        <a:font script="Mong" typeface="Mongolian Baiti"/>
+        <a:font script="Viet" typeface="Arial"/>
+        <a:font script="Uigh" typeface="Microsoft Uighur"/>
+        <a:font script="Geor" typeface="Sylfaen"/>
+        <a:font script="Armn" typeface="Arial"/>
+        <a:font script="Bugi" typeface="Leelawadee UI"/>
+        <a:font script="Bopo" typeface="Microsoft JhengHei"/>
+        <a:font script="Java" typeface="Javanese Text"/>
+        <a:font script="Lisu" typeface="Segoe UI"/>
+        <a:font script="Mymr" typeface="Myanmar Text"/>
+        <a:font script="Nkoo" typeface="Ebrima"/>
+        <a:font script="Olck" typeface="Nirmala UI"/>
+        <a:font script="Osma" typeface="Ebrima"/>
+        <a:font script="Phag" typeface="Phagspa"/>
+        <a:font script="Syrn" typeface="Estrangelo Edessa"/>
+        <a:font script="Syrj" typeface="Estrangelo Edessa"/>
+        <a:font script="Syre" typeface="Estrangelo Edessa"/>
+        <a:font script="Sora" typeface="Nirmala UI"/>
+        <a:font script="Tale" typeface="Microsoft Tai Le"/>
+        <a:font script="Talu" typeface="Microsoft New Tai Lue"/>
+        <a:font script="Tfng" typeface="Ebrima"/>
+      </a:minorFont>
+    </a:fontScheme>
+    <a:fmtScheme name="Office">
+      <a:fillStyleLst>
+        <a:solidFill>
+          <a:schemeClr val="phClr"/>
+        </a:solidFill>
+        <a:gradFill rotWithShape="1">
+          <a:gsLst>
+            <a:gs pos="0">
+              <a:schemeClr val="phClr">
+                <a:lumMod val="110000"/>
+                <a:satMod val="105000"/>
+                <a:tint val="67000"/>
+              </a:schemeClr>
+            </a:gs>
+            <a:gs pos="50000">
+              <a:schemeClr val="phClr">
+                <a:lumMod val="105000"/>
+                <a:satMod val="103000"/>
+                <a:tint val="73000"/>
+              </a:schemeClr>
+            </a:gs>
+            <a:gs pos="100000">
+              <a:schemeClr val="phClr">
+                <a:lumMod val="105000"/>
+                <a:satMod val="109000"/>
+                <a:tint val="81000"/>
+              </a:schemeClr>
+            </a:gs>
+          </a:gsLst>
+          <a:lin ang="5400000" scaled="0"/>
+        </a:gradFill>
+        <a:gradFill rotWithShape="1">
+          <a:gsLst>
+            <a:gs pos="0">
+              <a:schemeClr val="phClr">
+                <a:satMod val="103000"/>
+                <a:lumMod val="102000"/>
+                <a:tint val="94000"/>
+              </a:schemeClr>
+            </a:gs>
+            <a:gs pos="50000">
+              <a:schemeClr val="phClr">
+                <a:satMod val="110000"/>
+                <a:lumMod val="100000"/>
+                <a:shade val="100000"/>
+              </a:schemeClr>
+            </a:gs>
+            <a:gs pos="100000">
+              <a:schemeClr val="phClr">
+                <a:lumMod val="99000"/>
+                <a:satMod val="120000"/>
+                <a:shade val="78000"/>
+              </a:schemeClr>
+            </a:gs>
+          </a:gsLst>
+          <a:lin ang="5400000" scaled="0"/>
+        </a:gradFill>
+      </a:fillStyleLst>
+      <a:lnStyleLst>
+        <a:ln w="6350" cap="flat" cmpd="sng" algn="ctr">
+          <a:solidFill>
+            <a:schemeClr val="phClr"/>
+          </a:solidFill>
+          <a:prstDash val="solid"/>
+          <a:miter lim="800000"/>
+        </a:ln>
+        <a:ln w="12700" cap="flat" cmpd="sng" algn="ctr">
+          <a:solidFill>
+            <a:schemeClr val="phClr"/>
+          </a:solidFill>
+          <a:prstDash val="solid"/>
+          <a:miter lim="800000"/>
+        </a:ln>
+        <a:ln w="19050" cap="flat" cmpd="sng" algn="ctr">
+          <a:solidFill>
+            <a:schemeClr val="phClr"/>
+          </a:solidFill>
+          <a:prstDash val="solid"/>
+          <a:miter lim="800000"/>
+        </a:ln>
+      </a:lnStyleLst>
+      <a:effectStyleLst>
+        <a:effectStyle>
+          <a:effectLst/>
+        </a:effectStyle>
+        <a:effectStyle>
+          <a:effectLst/>
+        </a:effectStyle>
+        <a:effectStyle>
+          <a:effectLst>
+            <a:outerShdw blurRad="57150" dist="19050" dir="5400000" algn="ctr" rotWithShape="0">
+              <a:srgbClr val="000000">
+                <a:alpha val="63000"/>
+              </a:srgbClr>
+            </a:outerShdw>
+          </a:effectLst>
+        </a:effectStyle>
+      </a:effectStyleLst>
+      <a:bgFillStyleLst>
+        <a:solidFill>
+          <a:schemeClr val="phClr"/>
+        </a:solidFill>
+        <a:solidFill>
+          <a:schemeClr val="phClr">
+            <a:tint val="95000"/>
+            <a:satMod val="170000"/>
+          </a:schemeClr>
+        </a:solidFill>
+        <a:gradFill rotWithShape="1">
+          <a:gsLst>
+            <a:gs pos="0">
+              <a:schemeClr val="phClr">
+                <a:tint val="93000"/>
+                <a:satMod val="150000"/>
+                <a:shade val="98000"/>
+                <a:lumMod val="102000"/>
+              </a:schemeClr>
+            </a:gs>
+            <a:gs pos="50000">
+              <a:schemeClr val="phClr">
+                <a:tint val="98000"/>
+                <a:satMod val="130000"/>
+                <a:shade val="90000"/>
+                <a:lumMod val="103000"/>
+              </a:schemeClr>
+            </a:gs>
+            <a:gs pos="100000">
+              <a:schemeClr val="phClr">
+                <a:shade val="63000"/>
+                <a:satMod val="120000"/>
+              </a:schemeClr>
+            </a:gs>
+          </a:gsLst>
+          <a:lin ang="5400000" scaled="0"/>
+        </a:gradFill>
+      </a:bgFillStyleLst>
+    </a:fmtScheme>
+  </a:themeElements>
+  <a:objectDefaults/>
+  <a:extraClrSchemeLst/>
+  <a:extLst>
+    <a:ext uri="{05A4C25C-085E-4340-85A3-A5531E510DB2}">
+      <thm15:themeFamily xmlns:thm15="http://schemas.microsoft.com/office/thememl/2012/main" name="Office Theme" id="{62F939B6-93AF-4DB8-9C6B-D6C7DFDC589F}" vid="{4A3C46E8-61CC-4603-A589-7422A47A8E4A}"/>
+    </a:ext>
+  </a:extLst>
+</a:theme>
 </file>
--- a/RNLI.pptx
+++ b/RNLI.pptx
@@ -8660,7 +8660,7 @@
         </p:blipFill>
         <p:spPr>
           <a:xfrm>
-            <a:off x="2332661" y="1756093"/>
+            <a:off x="2332661" y="1672358"/>
             <a:ext cx="8364339" cy="1547531"/>
           </a:xfrm>
           <a:prstGeom prst="rect">
@@ -8690,7 +8690,7 @@
         </p:blipFill>
         <p:spPr>
           <a:xfrm>
-            <a:off x="4851250" y="3773988"/>
+            <a:off x="2332661" y="4021414"/>
             <a:ext cx="3048821" cy="1540290"/>
           </a:xfrm>
           <a:prstGeom prst="rect">
@@ -8698,6 +8698,93 @@
           </a:prstGeom>
         </p:spPr>
       </p:pic>
+      <p:sp>
+        <p:nvSpPr>
+          <p:cNvPr id="4" name="Rectangle 3">
+            <a:extLst>
+              <a:ext uri="{FF2B5EF4-FFF2-40B4-BE49-F238E27FC236}">
+                <a16:creationId xmlns:a16="http://schemas.microsoft.com/office/drawing/2014/main" id="{29D83C9F-0782-486A-AC6C-A5713E1DBDDD}"/>
+              </a:ext>
+            </a:extLst>
+          </p:cNvPr>
+          <p:cNvSpPr/>
+          <p:nvPr/>
+        </p:nvSpPr>
+        <p:spPr>
+          <a:xfrm>
+            <a:off x="5715897" y="2265782"/>
+            <a:ext cx="6096000" cy="954107"/>
+          </a:xfrm>
+          <a:prstGeom prst="rect">
+            <a:avLst/>
+          </a:prstGeom>
+        </p:spPr>
+        <p:txBody>
+          <a:bodyPr>
+            <a:spAutoFit/>
+          </a:bodyPr>
+          <a:lstStyle/>
+          <a:p>
+            <a:endParaRPr lang="en-GB" sz="2800" dirty="0"/>
+          </a:p>
+          <a:p>
+            <a:endParaRPr lang="en-GB" sz="2800" dirty="0"/>
+          </a:p>
+        </p:txBody>
+      </p:sp>
+      <p:sp>
+        <p:nvSpPr>
+          <p:cNvPr id="9" name="Content Placeholder 2">
+            <a:extLst>
+              <a:ext uri="{FF2B5EF4-FFF2-40B4-BE49-F238E27FC236}">
+                <a16:creationId xmlns:a16="http://schemas.microsoft.com/office/drawing/2014/main" id="{C21FACD5-84A4-4FF7-B73B-38F0EBE2F357}"/>
+              </a:ext>
+            </a:extLst>
+          </p:cNvPr>
+          <p:cNvSpPr>
+            <a:spLocks noGrp="1"/>
+          </p:cNvSpPr>
+          <p:nvPr>
+            <p:ph idx="1"/>
+          </p:nvPr>
+        </p:nvSpPr>
+        <p:spPr>
+          <a:xfrm>
+            <a:off x="5529761" y="3887104"/>
+            <a:ext cx="6174558" cy="1808910"/>
+          </a:xfrm>
+        </p:spPr>
+        <p:txBody>
+          <a:bodyPr>
+            <a:normAutofit/>
+          </a:bodyPr>
+          <a:lstStyle/>
+          <a:p>
+            <a:r>
+              <a:rPr lang="en-GB" sz="2000" dirty="0"/>
+              <a:t>Server pushes data to client via text file </a:t>
+            </a:r>
+          </a:p>
+          <a:p>
+            <a:pPr marL="0" indent="0">
+              <a:buNone/>
+            </a:pPr>
+            <a:endParaRPr lang="en-GB" sz="2000" dirty="0"/>
+          </a:p>
+          <a:p>
+            <a:r>
+              <a:rPr lang="en-GB" sz="2000" dirty="0"/>
+              <a:t>Supporting charities by saving money and distribution ease </a:t>
+            </a:r>
+          </a:p>
+          <a:p>
+            <a:endParaRPr lang="en-GB" sz="2000" dirty="0"/>
+          </a:p>
+          <a:p>
+            <a:endParaRPr lang="en-GB" sz="2000" dirty="0"/>
+          </a:p>
+        </p:txBody>
+      </p:sp>
     </p:spTree>
     <p:extLst>
       <p:ext uri="{BB962C8B-B14F-4D97-AF65-F5344CB8AC3E}">
@@ -8910,6 +8997,34 @@
           <a:p>
             <a:r>
               <a:rPr lang="en-GB" sz="2000" dirty="0"/>
+              <a:t>Hardware</a:t>
+            </a:r>
+          </a:p>
+          <a:p>
+            <a:pPr lvl="1"/>
+            <a:r>
+              <a:rPr lang="en-GB" sz="1800" dirty="0"/>
+              <a:t>Water Resistance IP68</a:t>
+            </a:r>
+          </a:p>
+          <a:p>
+            <a:pPr lvl="1"/>
+            <a:r>
+              <a:rPr lang="en-GB" sz="1800" dirty="0"/>
+              <a:t>Infinity Display + Radio</a:t>
+            </a:r>
+          </a:p>
+          <a:p>
+            <a:pPr lvl="1"/>
+            <a:r>
+              <a:rPr lang="en-GB" sz="1800" dirty="0"/>
+              <a:t>Rugged  </a:t>
+            </a:r>
+            <a:endParaRPr lang="en-GB" sz="2000" dirty="0"/>
+          </a:p>
+          <a:p>
+            <a:r>
+              <a:rPr lang="en-GB" sz="2000" dirty="0"/>
               <a:t>Dictionary expansions for potential diagnoses and their treatments</a:t>
             </a:r>
           </a:p>
@@ -8923,33 +9038,6 @@
             <a:r>
               <a:rPr lang="en-GB" sz="2000" dirty="0"/>
               <a:t>Implementation of patient records database linked to application</a:t>
-            </a:r>
-          </a:p>
-          <a:p>
-            <a:r>
-              <a:rPr lang="en-GB" sz="2000" dirty="0"/>
-              <a:t>Hardware</a:t>
-            </a:r>
-          </a:p>
-          <a:p>
-            <a:pPr lvl="1"/>
-            <a:r>
-              <a:rPr lang="en-GB" sz="1800" dirty="0"/>
-              <a:t>Water Resistance IP68</a:t>
-            </a:r>
-          </a:p>
-          <a:p>
-            <a:pPr lvl="1"/>
-            <a:r>
-              <a:rPr lang="en-GB" sz="1800" dirty="0"/>
-              <a:t>Infinity Display + Radio</a:t>
-            </a:r>
-          </a:p>
-          <a:p>
-            <a:pPr lvl="1"/>
-            <a:r>
-              <a:rPr lang="en-GB" sz="1800" dirty="0"/>
-              <a:t>Rugged  </a:t>
             </a:r>
           </a:p>
           <a:p>
@@ -8989,8 +9077,8 @@
         </p:blipFill>
         <p:spPr bwMode="auto">
           <a:xfrm>
-            <a:off x="6273316" y="3900316"/>
-            <a:ext cx="5231296" cy="2354083"/>
+            <a:off x="6606802" y="5012342"/>
+            <a:ext cx="3634478" cy="1635515"/>
           </a:xfrm>
           <a:prstGeom prst="rect">
             <a:avLst/>

--- a/RNLI.pptx
+++ b/RNLI.pptx
@@ -12,8 +12,8 @@
     <p:sldId id="257" r:id="rId3"/>
     <p:sldId id="258" r:id="rId4"/>
     <p:sldId id="267" r:id="rId5"/>
-    <p:sldId id="260" r:id="rId6"/>
-    <p:sldId id="261" r:id="rId7"/>
+    <p:sldId id="261" r:id="rId6"/>
+    <p:sldId id="260" r:id="rId7"/>
     <p:sldId id="266" r:id="rId8"/>
   </p:sldIdLst>
   <p:sldSz cx="12192000" cy="6858000"/>
@@ -8195,16 +8195,29 @@
             </a:r>
             <a:r>
               <a:rPr lang="en-GB" dirty="0"/>
-              <a:t>, </a:t>
+              <a:t> </a:t>
             </a:r>
             <a:r>
               <a:rPr lang="en-GB" dirty="0" err="1"/>
-              <a:t>Kayisah</a:t>
+              <a:t>Arge</a:t>
+            </a:r>
+            <a:r>
+              <a:rPr lang="en-GB" dirty="0"/>
+              <a:t> , </a:t>
+            </a:r>
+            <a:r>
+              <a:rPr lang="en-GB" dirty="0" err="1"/>
+              <a:t>Kayisan</a:t>
             </a:r>
             <a:r>
               <a:rPr lang="en-GB" dirty="0"/>
               <a:t> </a:t>
             </a:r>
+            <a:r>
+              <a:rPr lang="en-GB" dirty="0" err="1"/>
+              <a:t>Dalmeida</a:t>
+            </a:r>
+            <a:endParaRPr lang="en-GB" dirty="0"/>
           </a:p>
         </p:txBody>
       </p:sp>
@@ -8290,7 +8303,7 @@
         </p:spPr>
         <p:txBody>
           <a:bodyPr>
-            <a:normAutofit/>
+            <a:normAutofit lnSpcReduction="10000"/>
           </a:bodyPr>
           <a:lstStyle/>
           <a:p>
@@ -8305,7 +8318,7 @@
           <a:p>
             <a:r>
               <a:rPr lang="en-GB" sz="2800" dirty="0"/>
-              <a:t>Updating made easier</a:t>
+              <a:t>Software updates made easier to re-distribute latest medical content and information</a:t>
             </a:r>
           </a:p>
           <a:p>
@@ -8314,7 +8327,7 @@
           <a:p>
             <a:r>
               <a:rPr lang="en-GB" sz="2800" dirty="0"/>
-              <a:t>Environmental factors considered </a:t>
+              <a:t>End user environmental factors considered </a:t>
             </a:r>
             <a:br>
               <a:rPr lang="en-GB" sz="2800" dirty="0"/>
@@ -8615,6 +8628,147 @@
           <p:cNvPr id="2" name="Title 1">
             <a:extLst>
               <a:ext uri="{FF2B5EF4-FFF2-40B4-BE49-F238E27FC236}">
+                <a16:creationId xmlns:a16="http://schemas.microsoft.com/office/drawing/2014/main" id="{7055E23E-EDC7-4371-9A84-23C51D52ABC5}"/>
+              </a:ext>
+            </a:extLst>
+          </p:cNvPr>
+          <p:cNvSpPr>
+            <a:spLocks noGrp="1"/>
+          </p:cNvSpPr>
+          <p:nvPr>
+            <p:ph type="title"/>
+          </p:nvPr>
+        </p:nvSpPr>
+        <p:spPr/>
+        <p:txBody>
+          <a:bodyPr/>
+          <a:lstStyle/>
+          <a:p>
+            <a:r>
+              <a:rPr lang="en-GB" dirty="0"/>
+              <a:t>Environmental factors considered</a:t>
+            </a:r>
+          </a:p>
+        </p:txBody>
+      </p:sp>
+      <p:pic>
+        <p:nvPicPr>
+          <p:cNvPr id="6" name="Picture 5">
+            <a:extLst>
+              <a:ext uri="{FF2B5EF4-FFF2-40B4-BE49-F238E27FC236}">
+                <a16:creationId xmlns:a16="http://schemas.microsoft.com/office/drawing/2014/main" id="{1764C413-3A58-435B-A4AC-77149DFA5292}"/>
+              </a:ext>
+            </a:extLst>
+          </p:cNvPr>
+          <p:cNvPicPr>
+            <a:picLocks noChangeAspect="1"/>
+          </p:cNvPicPr>
+          <p:nvPr/>
+        </p:nvPicPr>
+        <p:blipFill>
+          <a:blip r:embed="rId2"/>
+          <a:stretch>
+            <a:fillRect/>
+          </a:stretch>
+        </p:blipFill>
+        <p:spPr>
+          <a:xfrm>
+            <a:off x="3368128" y="1416728"/>
+            <a:ext cx="5731484" cy="3298147"/>
+          </a:xfrm>
+          <a:prstGeom prst="rect">
+            <a:avLst/>
+          </a:prstGeom>
+        </p:spPr>
+      </p:pic>
+      <p:sp>
+        <p:nvSpPr>
+          <p:cNvPr id="8" name="Content Placeholder 2">
+            <a:extLst>
+              <a:ext uri="{FF2B5EF4-FFF2-40B4-BE49-F238E27FC236}">
+                <a16:creationId xmlns:a16="http://schemas.microsoft.com/office/drawing/2014/main" id="{5FCCB966-92F8-4503-8013-8EDF8CE207ED}"/>
+              </a:ext>
+            </a:extLst>
+          </p:cNvPr>
+          <p:cNvSpPr>
+            <a:spLocks noGrp="1"/>
+          </p:cNvSpPr>
+          <p:nvPr>
+            <p:ph idx="1"/>
+          </p:nvPr>
+        </p:nvSpPr>
+        <p:spPr>
+          <a:xfrm>
+            <a:off x="3461264" y="5049090"/>
+            <a:ext cx="6174558" cy="1808910"/>
+          </a:xfrm>
+        </p:spPr>
+        <p:txBody>
+          <a:bodyPr>
+            <a:normAutofit/>
+          </a:bodyPr>
+          <a:lstStyle/>
+          <a:p>
+            <a:r>
+              <a:rPr lang="en-GB" sz="2000" dirty="0"/>
+              <a:t>Text-to-speech</a:t>
+            </a:r>
+          </a:p>
+          <a:p>
+            <a:r>
+              <a:rPr lang="en-GB" sz="2000" dirty="0"/>
+              <a:t>AI integration</a:t>
+            </a:r>
+          </a:p>
+          <a:p>
+            <a:r>
+              <a:rPr lang="en-GB" sz="2000" dirty="0"/>
+              <a:t>Vibration with beep notifications</a:t>
+            </a:r>
+          </a:p>
+          <a:p>
+            <a:endParaRPr lang="en-GB" sz="2000" dirty="0"/>
+          </a:p>
+          <a:p>
+            <a:endParaRPr lang="en-GB" sz="2000" dirty="0"/>
+          </a:p>
+        </p:txBody>
+      </p:sp>
+    </p:spTree>
+    <p:extLst>
+      <p:ext uri="{BB962C8B-B14F-4D97-AF65-F5344CB8AC3E}">
+        <p14:creationId xmlns:p14="http://schemas.microsoft.com/office/powerpoint/2010/main" val="1487026787"/>
+      </p:ext>
+    </p:extLst>
+  </p:cSld>
+  <p:clrMapOvr>
+    <a:masterClrMapping/>
+  </p:clrMapOvr>
+</p:sld>
+</file>
+
+<file path=ppt/slides/slide6.xml><?xml version="1.0" encoding="utf-8"?>
+<p:sld xmlns:a="http://schemas.openxmlformats.org/drawingml/2006/main" xmlns:r="http://schemas.openxmlformats.org/officeDocument/2006/relationships" xmlns:p="http://schemas.openxmlformats.org/presentationml/2006/main">
+  <p:cSld>
+    <p:spTree>
+      <p:nvGrpSpPr>
+        <p:cNvPr id="1" name=""/>
+        <p:cNvGrpSpPr/>
+        <p:nvPr/>
+      </p:nvGrpSpPr>
+      <p:grpSpPr>
+        <a:xfrm>
+          <a:off x="0" y="0"/>
+          <a:ext cx="0" cy="0"/>
+          <a:chOff x="0" y="0"/>
+          <a:chExt cx="0" cy="0"/>
+        </a:xfrm>
+      </p:grpSpPr>
+      <p:sp>
+        <p:nvSpPr>
+          <p:cNvPr id="2" name="Title 1">
+            <a:extLst>
+              <a:ext uri="{FF2B5EF4-FFF2-40B4-BE49-F238E27FC236}">
                 <a16:creationId xmlns:a16="http://schemas.microsoft.com/office/drawing/2014/main" id="{5C131BCF-6F54-44DF-9C6F-392F0CE5B60D}"/>
               </a:ext>
             </a:extLst>
@@ -8798,124 +8952,6 @@
 </p:sld>
 </file>
 
-<file path=ppt/slides/slide6.xml><?xml version="1.0" encoding="utf-8"?>
-<p:sld xmlns:a="http://schemas.openxmlformats.org/drawingml/2006/main" xmlns:r="http://schemas.openxmlformats.org/officeDocument/2006/relationships" xmlns:p="http://schemas.openxmlformats.org/presentationml/2006/main">
-  <p:cSld>
-    <p:spTree>
-      <p:nvGrpSpPr>
-        <p:cNvPr id="1" name=""/>
-        <p:cNvGrpSpPr/>
-        <p:nvPr/>
-      </p:nvGrpSpPr>
-      <p:grpSpPr>
-        <a:xfrm>
-          <a:off x="0" y="0"/>
-          <a:ext cx="0" cy="0"/>
-          <a:chOff x="0" y="0"/>
-          <a:chExt cx="0" cy="0"/>
-        </a:xfrm>
-      </p:grpSpPr>
-      <p:sp>
-        <p:nvSpPr>
-          <p:cNvPr id="2" name="Title 1">
-            <a:extLst>
-              <a:ext uri="{FF2B5EF4-FFF2-40B4-BE49-F238E27FC236}">
-                <a16:creationId xmlns:a16="http://schemas.microsoft.com/office/drawing/2014/main" id="{7055E23E-EDC7-4371-9A84-23C51D52ABC5}"/>
-              </a:ext>
-            </a:extLst>
-          </p:cNvPr>
-          <p:cNvSpPr>
-            <a:spLocks noGrp="1"/>
-          </p:cNvSpPr>
-          <p:nvPr>
-            <p:ph type="title"/>
-          </p:nvPr>
-        </p:nvSpPr>
-        <p:spPr/>
-        <p:txBody>
-          <a:bodyPr/>
-          <a:lstStyle/>
-          <a:p>
-            <a:r>
-              <a:rPr lang="en-GB" dirty="0"/>
-              <a:t>Environmental factors considered</a:t>
-            </a:r>
-          </a:p>
-        </p:txBody>
-      </p:sp>
-      <p:pic>
-        <p:nvPicPr>
-          <p:cNvPr id="6" name="Picture 5">
-            <a:extLst>
-              <a:ext uri="{FF2B5EF4-FFF2-40B4-BE49-F238E27FC236}">
-                <a16:creationId xmlns:a16="http://schemas.microsoft.com/office/drawing/2014/main" id="{1764C413-3A58-435B-A4AC-77149DFA5292}"/>
-              </a:ext>
-            </a:extLst>
-          </p:cNvPr>
-          <p:cNvPicPr>
-            <a:picLocks noChangeAspect="1"/>
-          </p:cNvPicPr>
-          <p:nvPr/>
-        </p:nvPicPr>
-        <p:blipFill>
-          <a:blip r:embed="rId2"/>
-          <a:stretch>
-            <a:fillRect/>
-          </a:stretch>
-        </p:blipFill>
-        <p:spPr>
-          <a:xfrm>
-            <a:off x="2382706" y="1905000"/>
-            <a:ext cx="6438900" cy="3705225"/>
-          </a:xfrm>
-          <a:prstGeom prst="rect">
-            <a:avLst/>
-          </a:prstGeom>
-        </p:spPr>
-      </p:pic>
-      <p:pic>
-        <p:nvPicPr>
-          <p:cNvPr id="7" name="Picture 6">
-            <a:extLst>
-              <a:ext uri="{FF2B5EF4-FFF2-40B4-BE49-F238E27FC236}">
-                <a16:creationId xmlns:a16="http://schemas.microsoft.com/office/drawing/2014/main" id="{6D99A9A5-65D2-42DC-8249-1885888690F5}"/>
-              </a:ext>
-            </a:extLst>
-          </p:cNvPr>
-          <p:cNvPicPr>
-            <a:picLocks noChangeAspect="1"/>
-          </p:cNvPicPr>
-          <p:nvPr/>
-        </p:nvPicPr>
-        <p:blipFill>
-          <a:blip r:embed="rId3"/>
-          <a:stretch>
-            <a:fillRect/>
-          </a:stretch>
-        </p:blipFill>
-        <p:spPr>
-          <a:xfrm>
-            <a:off x="9198123" y="3478751"/>
-            <a:ext cx="1307411" cy="382657"/>
-          </a:xfrm>
-          <a:prstGeom prst="rect">
-            <a:avLst/>
-          </a:prstGeom>
-        </p:spPr>
-      </p:pic>
-    </p:spTree>
-    <p:extLst>
-      <p:ext uri="{BB962C8B-B14F-4D97-AF65-F5344CB8AC3E}">
-        <p14:creationId xmlns:p14="http://schemas.microsoft.com/office/powerpoint/2010/main" val="1487026787"/>
-      </p:ext>
-    </p:extLst>
-  </p:cSld>
-  <p:clrMapOvr>
-    <a:masterClrMapping/>
-  </p:clrMapOvr>
-</p:sld>
-</file>
-
 <file path=ppt/slides/slide7.xml><?xml version="1.0" encoding="utf-8"?>
 <p:sld xmlns:a="http://schemas.openxmlformats.org/drawingml/2006/main" xmlns:r="http://schemas.openxmlformats.org/officeDocument/2006/relationships" xmlns:p="http://schemas.openxmlformats.org/presentationml/2006/main">
   <p:cSld>
@@ -8979,18 +9015,30 @@
         </p:nvSpPr>
         <p:spPr>
           <a:xfrm>
-            <a:off x="2589212" y="1478130"/>
-            <a:ext cx="8915400" cy="3497950"/>
+            <a:off x="2589212" y="1478129"/>
+            <a:ext cx="8915400" cy="3697553"/>
           </a:xfrm>
         </p:spPr>
         <p:txBody>
           <a:bodyPr>
-            <a:normAutofit fontScale="92500" lnSpcReduction="20000"/>
+            <a:normAutofit lnSpcReduction="10000"/>
           </a:bodyPr>
           <a:lstStyle/>
           <a:p>
             <a:r>
               <a:rPr lang="en-GB" sz="2000" dirty="0"/>
+              <a:t>Implementation of role based access control to certain app features i.e. if the application was to be released to the public in contrast to RNLI personnel use</a:t>
+            </a:r>
+          </a:p>
+          <a:p>
+            <a:r>
+              <a:rPr lang="en-GB" sz="2000" dirty="0"/>
+              <a:t>Implementation of patient records database linked to application</a:t>
+            </a:r>
+          </a:p>
+          <a:p>
+            <a:r>
+              <a:rPr lang="en-GB" sz="2000" dirty="0"/>
               <a:t>Further development into specialist hand held devices created and issued for the RNLI</a:t>
             </a:r>
           </a:p>
@@ -9004,14 +9052,7 @@
             <a:pPr lvl="1"/>
             <a:r>
               <a:rPr lang="en-GB" sz="1800" dirty="0"/>
-              <a:t>Water Resistance IP68</a:t>
-            </a:r>
-          </a:p>
-          <a:p>
-            <a:pPr lvl="1"/>
-            <a:r>
-              <a:rPr lang="en-GB" sz="1800" dirty="0"/>
-              <a:t>Infinity Display + Radio</a:t>
+              <a:t>Water Resistance Industry Standard (IP68)</a:t>
             </a:r>
           </a:p>
           <a:p>
@@ -9027,21 +9068,6 @@
               <a:rPr lang="en-GB" sz="2000" dirty="0"/>
               <a:t>Dictionary expansions for potential diagnoses and their treatments</a:t>
             </a:r>
-          </a:p>
-          <a:p>
-            <a:r>
-              <a:rPr lang="en-GB" sz="2000" dirty="0"/>
-              <a:t>Implementation of role based access control to certain app features i.e. if the application was to be released to the public in contrast to RNLI personnel use</a:t>
-            </a:r>
-          </a:p>
-          <a:p>
-            <a:r>
-              <a:rPr lang="en-GB" sz="2000" dirty="0"/>
-              <a:t>Implementation of patient records database linked to application</a:t>
-            </a:r>
-          </a:p>
-          <a:p>
-            <a:endParaRPr lang="en-GB" sz="2000" dirty="0"/>
           </a:p>
           <a:p>
             <a:endParaRPr lang="en-GB" sz="2000" dirty="0"/>
@@ -9077,7 +9103,7 @@
         </p:blipFill>
         <p:spPr bwMode="auto">
           <a:xfrm>
-            <a:off x="6606802" y="5012342"/>
+            <a:off x="7166095" y="5092241"/>
             <a:ext cx="3634478" cy="1635515"/>
           </a:xfrm>
           <a:prstGeom prst="rect">

--- a/RNLI.pptx
+++ b/RNLI.pptx
@@ -119,10 +119,6 @@
     </p:ext>
   </p:extLst>
 </p:presentation>
-</file>
-
-<file path=ppt/revisionInfo.xml><?xml version="1.0" encoding="utf-8"?>
-<p1510:revInfo xmlns:a="http://schemas.openxmlformats.org/drawingml/2006/main" xmlns:r="http://schemas.openxmlformats.org/officeDocument/2006/relationships" xmlns:p1510="http://schemas.microsoft.com/office/powerpoint/2015/10/main"/>
 </file>
 
 <file path=ppt/notesMasters/notesMaster1.xml><?xml version="1.0" encoding="utf-8"?>
@@ -8651,12 +8647,65 @@
           </a:p>
         </p:txBody>
       </p:sp>
+      <p:sp>
+        <p:nvSpPr>
+          <p:cNvPr id="8" name="Content Placeholder 2">
+            <a:extLst>
+              <a:ext uri="{FF2B5EF4-FFF2-40B4-BE49-F238E27FC236}">
+                <a16:creationId xmlns:a16="http://schemas.microsoft.com/office/drawing/2014/main" id="{5FCCB966-92F8-4503-8013-8EDF8CE207ED}"/>
+              </a:ext>
+            </a:extLst>
+          </p:cNvPr>
+          <p:cNvSpPr>
+            <a:spLocks noGrp="1"/>
+          </p:cNvSpPr>
+          <p:nvPr>
+            <p:ph idx="1"/>
+          </p:nvPr>
+        </p:nvSpPr>
+        <p:spPr>
+          <a:xfrm>
+            <a:off x="3461264" y="5049090"/>
+            <a:ext cx="6174558" cy="1808910"/>
+          </a:xfrm>
+        </p:spPr>
+        <p:txBody>
+          <a:bodyPr>
+            <a:normAutofit/>
+          </a:bodyPr>
+          <a:lstStyle/>
+          <a:p>
+            <a:r>
+              <a:rPr lang="en-GB" sz="2000" dirty="0"/>
+              <a:t>Text-to-speech</a:t>
+            </a:r>
+          </a:p>
+          <a:p>
+            <a:r>
+              <a:rPr lang="en-GB" sz="2000" dirty="0"/>
+              <a:t>AI integration</a:t>
+            </a:r>
+          </a:p>
+          <a:p>
+            <a:r>
+              <a:rPr lang="en-GB" sz="2000" dirty="0"/>
+              <a:t>Vibration with beep notifications</a:t>
+            </a:r>
+          </a:p>
+          <a:p>
+            <a:endParaRPr lang="en-GB" sz="2000" dirty="0"/>
+          </a:p>
+          <a:p>
+            <a:endParaRPr lang="en-GB" sz="2000" dirty="0"/>
+          </a:p>
+        </p:txBody>
+      </p:sp>
       <p:pic>
         <p:nvPicPr>
-          <p:cNvPr id="6" name="Picture 5">
+          <p:cNvPr id="9" name="Picture 8">
             <a:extLst>
               <a:ext uri="{FF2B5EF4-FFF2-40B4-BE49-F238E27FC236}">
-                <a16:creationId xmlns:a16="http://schemas.microsoft.com/office/drawing/2014/main" id="{1764C413-3A58-435B-A4AC-77149DFA5292}"/>
+                <a16:creationId xmlns:a16="http://schemas.microsoft.com/office/drawing/2014/main" id="{77F187D3-DA0C-4F3B-9B8A-C6B6CD5F1B2A}"/>
               </a:ext>
             </a:extLst>
           </p:cNvPr>
@@ -8665,75 +8714,27 @@
           </p:cNvPicPr>
           <p:nvPr/>
         </p:nvPicPr>
-        <p:blipFill>
-          <a:blip r:embed="rId2"/>
-          <a:stretch>
-            <a:fillRect/>
-          </a:stretch>
+        <p:blipFill rotWithShape="1">
+          <a:blip r:embed="rId2">
+            <a:extLst>
+              <a:ext uri="{28A0092B-C50C-407E-A947-70E740481C1C}">
+                <a14:useLocalDpi xmlns:a14="http://schemas.microsoft.com/office/drawing/2010/main" val="0"/>
+              </a:ext>
+            </a:extLst>
+          </a:blip>
+          <a:srcRect l="22583" t="1" r="22399" b="26273"/>
+          <a:stretch/>
         </p:blipFill>
         <p:spPr>
           <a:xfrm>
-            <a:off x="3368128" y="1416728"/>
-            <a:ext cx="5731484" cy="3298147"/>
+            <a:off x="3551069" y="1352735"/>
+            <a:ext cx="4847207" cy="3653693"/>
           </a:xfrm>
           <a:prstGeom prst="rect">
             <a:avLst/>
           </a:prstGeom>
         </p:spPr>
       </p:pic>
-      <p:sp>
-        <p:nvSpPr>
-          <p:cNvPr id="8" name="Content Placeholder 2">
-            <a:extLst>
-              <a:ext uri="{FF2B5EF4-FFF2-40B4-BE49-F238E27FC236}">
-                <a16:creationId xmlns:a16="http://schemas.microsoft.com/office/drawing/2014/main" id="{5FCCB966-92F8-4503-8013-8EDF8CE207ED}"/>
-              </a:ext>
-            </a:extLst>
-          </p:cNvPr>
-          <p:cNvSpPr>
-            <a:spLocks noGrp="1"/>
-          </p:cNvSpPr>
-          <p:nvPr>
-            <p:ph idx="1"/>
-          </p:nvPr>
-        </p:nvSpPr>
-        <p:spPr>
-          <a:xfrm>
-            <a:off x="3461264" y="5049090"/>
-            <a:ext cx="6174558" cy="1808910"/>
-          </a:xfrm>
-        </p:spPr>
-        <p:txBody>
-          <a:bodyPr>
-            <a:normAutofit/>
-          </a:bodyPr>
-          <a:lstStyle/>
-          <a:p>
-            <a:r>
-              <a:rPr lang="en-GB" sz="2000" dirty="0"/>
-              <a:t>Text-to-speech</a:t>
-            </a:r>
-          </a:p>
-          <a:p>
-            <a:r>
-              <a:rPr lang="en-GB" sz="2000" dirty="0"/>
-              <a:t>AI integration</a:t>
-            </a:r>
-          </a:p>
-          <a:p>
-            <a:r>
-              <a:rPr lang="en-GB" sz="2000" dirty="0"/>
-              <a:t>Vibration with beep notifications</a:t>
-            </a:r>
-          </a:p>
-          <a:p>
-            <a:endParaRPr lang="en-GB" sz="2000" dirty="0"/>
-          </a:p>
-          <a:p>
-            <a:endParaRPr lang="en-GB" sz="2000" dirty="0"/>
-          </a:p>
-        </p:txBody>
-      </p:sp>
     </p:spTree>
     <p:extLst>
       <p:ext uri="{BB962C8B-B14F-4D97-AF65-F5344CB8AC3E}">

--- a/RNLI.pptx
+++ b/RNLI.pptx
@@ -119,6 +119,10 @@
     </p:ext>
   </p:extLst>
 </p:presentation>
+</file>
+
+<file path=ppt/revisionInfo.xml><?xml version="1.0" encoding="utf-8"?>
+<p1510:revInfo xmlns:a="http://schemas.openxmlformats.org/drawingml/2006/main" xmlns:r="http://schemas.openxmlformats.org/officeDocument/2006/relationships" xmlns:p1510="http://schemas.microsoft.com/office/powerpoint/2015/10/main"/>
 </file>
 
 <file path=ppt/notesMasters/notesMaster1.xml><?xml version="1.0" encoding="utf-8"?>
@@ -8305,7 +8309,7 @@
           <a:p>
             <a:r>
               <a:rPr lang="en-GB" sz="2800" dirty="0"/>
-              <a:t>Quick + Accurate diagnosis and treatment of the patient</a:t>
+              <a:t>Quick + Accurate assessment and treatment of the patient</a:t>
             </a:r>
           </a:p>
           <a:p>
@@ -8406,7 +8410,7 @@
           <a:p>
             <a:r>
               <a:rPr lang="en-GB" dirty="0"/>
-              <a:t>Quick and Accurate Diagnosis and Treatment</a:t>
+              <a:t>Quick and Accurate assessment and Treatment</a:t>
             </a:r>
           </a:p>
         </p:txBody>
